--- a/ppts/3-2.1_Queue Quiz.pptx
+++ b/ppts/3-2.1_Queue Quiz.pptx
@@ -5,13 +5,14 @@
     <p:sldMasterId id="2147483675" r:id="rId1"/>
   </p:sldMasterIdLst>
   <p:notesMasterIdLst>
-    <p:notesMasterId r:id="rId3"/>
+    <p:notesMasterId r:id="rId4"/>
   </p:notesMasterIdLst>
   <p:handoutMasterIdLst>
-    <p:handoutMasterId r:id="rId4"/>
+    <p:handoutMasterId r:id="rId5"/>
   </p:handoutMasterIdLst>
   <p:sldIdLst>
     <p:sldId id="739" r:id="rId2"/>
+    <p:sldId id="740" r:id="rId3"/>
   </p:sldIdLst>
   <p:sldSz cx="13004800" cy="7315200"/>
   <p:notesSz cx="6858000" cy="9144000"/>
@@ -429,7 +430,7 @@
           <a:p>
             <a:fld id="{A9ADF8C7-AEDF-43D6-9DAF-DECAC1AD2E30}" type="datetimeFigureOut">
               <a:rPr lang="ko-KR" altLang="en-US" smtClean="0"/>
-              <a:t>2023-04-03</a:t>
+              <a:t>2023-10-04</a:t>
             </a:fld>
             <a:endParaRPr lang="ko-KR" altLang="en-US"/>
           </a:p>
@@ -746,6 +747,67 @@
 </p:notes>
 </file>
 
+<file path=ppt/notesSlides/notesSlide2.xml><?xml version="1.0" encoding="utf-8"?>
+<p:notes xmlns:a="http://schemas.openxmlformats.org/drawingml/2006/main" xmlns:r="http://schemas.openxmlformats.org/officeDocument/2006/relationships" xmlns:p="http://schemas.openxmlformats.org/presentationml/2006/main">
+  <p:cSld>
+    <p:spTree>
+      <p:nvGrpSpPr>
+        <p:cNvPr id="1" name=""/>
+        <p:cNvGrpSpPr/>
+        <p:nvPr/>
+      </p:nvGrpSpPr>
+      <p:grpSpPr>
+        <a:xfrm>
+          <a:off x="0" y="0"/>
+          <a:ext cx="0" cy="0"/>
+          <a:chOff x="0" y="0"/>
+          <a:chExt cx="0" cy="0"/>
+        </a:xfrm>
+      </p:grpSpPr>
+      <p:sp>
+        <p:nvSpPr>
+          <p:cNvPr id="2" name="슬라이드 이미지 개체 틀 1"/>
+          <p:cNvSpPr>
+            <a:spLocks noGrp="1" noRot="1" noChangeAspect="1"/>
+          </p:cNvSpPr>
+          <p:nvPr>
+            <p:ph type="sldImg"/>
+          </p:nvPr>
+        </p:nvSpPr>
+        <p:spPr/>
+      </p:sp>
+      <p:sp>
+        <p:nvSpPr>
+          <p:cNvPr id="3" name="슬라이드 노트 개체 틀 2"/>
+          <p:cNvSpPr>
+            <a:spLocks noGrp="1"/>
+          </p:cNvSpPr>
+          <p:nvPr>
+            <p:ph type="body" idx="1"/>
+          </p:nvPr>
+        </p:nvSpPr>
+        <p:spPr/>
+        <p:txBody>
+          <a:bodyPr/>
+          <a:lstStyle/>
+          <a:p>
+            <a:endParaRPr lang="ko-KR" altLang="en-US" dirty="0"/>
+          </a:p>
+        </p:txBody>
+      </p:sp>
+    </p:spTree>
+    <p:extLst>
+      <p:ext uri="{BB962C8B-B14F-4D97-AF65-F5344CB8AC3E}">
+        <p14:creationId xmlns:p14="http://schemas.microsoft.com/office/powerpoint/2010/main" val="65665561"/>
+      </p:ext>
+    </p:extLst>
+  </p:cSld>
+  <p:clrMapOvr>
+    <a:masterClrMapping/>
+  </p:clrMapOvr>
+</p:notes>
+</file>
+
 <file path=ppt/slideLayouts/slideLayout1.xml><?xml version="1.0" encoding="utf-8"?>
 <p:sldLayout xmlns:a="http://schemas.openxmlformats.org/drawingml/2006/main" xmlns:r="http://schemas.openxmlformats.org/officeDocument/2006/relationships" xmlns:p="http://schemas.openxmlformats.org/presentationml/2006/main" preserve="1" userDrawn="1">
   <p:cSld name="1_사용자 지정 레이아웃">
@@ -1410,7 +1472,7 @@
           </a:ln>
           <a:extLst>
             <a:ext uri="{C572A759-6A51-4108-AA02-DFA0A04FC94B}">
-              <ma14:wrappingTextBoxFlag xmlns:ma14="http://schemas.microsoft.com/office/mac/drawingml/2011/main" xmlns="" val="1"/>
+              <ma14:wrappingTextBoxFlag xmlns="" xmlns:ma14="http://schemas.microsoft.com/office/mac/drawingml/2011/main" val="1"/>
             </a:ext>
           </a:extLst>
         </p:spPr>
@@ -3449,7 +3511,7 @@
           <a:p>
             <a:fld id="{AC778754-33AA-481A-B885-58843B94B2EC}" type="datetime1">
               <a:rPr lang="ko-KR" altLang="en-US" smtClean="0"/>
-              <a:t>2023-04-03</a:t>
+              <a:t>2023-10-04</a:t>
             </a:fld>
             <a:endParaRPr lang="ko-KR" altLang="en-US" dirty="0"/>
           </a:p>
@@ -3965,8 +4027,8 @@
           <a:lstStyle/>
           <a:p>
             <a:r>
-              <a:rPr lang="en-US" altLang="ko-KR" dirty="0"/>
-              <a:t>Queue Variations: Circular Queue</a:t>
+              <a:rPr lang="en-US" altLang="ko-KR" smtClean="0"/>
+              <a:t>Circular Queue 1</a:t>
             </a:r>
             <a:endParaRPr lang="ko-KR" altLang="en-US" dirty="0"/>
           </a:p>
@@ -4004,8 +4066,8 @@
         </p:nvSpPr>
         <p:spPr>
           <a:xfrm>
-            <a:off x="518161" y="933733"/>
-            <a:ext cx="11968478" cy="4832092"/>
+            <a:off x="518161" y="1744307"/>
+            <a:ext cx="11968478" cy="2462213"/>
           </a:xfrm>
           <a:prstGeom prst="rect">
             <a:avLst/>
@@ -4038,295 +4100,168 @@
           </a:p>
           <a:p>
             <a:r>
-              <a:rPr lang="en-US" altLang="ko-KR" sz="1400" dirty="0">
-                <a:latin typeface="Consolas" panose="020B0609020204030204" pitchFamily="49" charset="0"/>
-              </a:rPr>
-              <a:t>    queue q = </a:t>
-            </a:r>
-            <a:r>
-              <a:rPr lang="en-US" altLang="ko-KR" sz="1400" dirty="0" err="1">
-                <a:latin typeface="Consolas" panose="020B0609020204030204" pitchFamily="49" charset="0"/>
-              </a:rPr>
-              <a:t>newQueue</a:t>
-            </a:r>
-            <a:r>
-              <a:rPr lang="en-US" altLang="ko-KR" sz="1400" dirty="0">
-                <a:latin typeface="Consolas" panose="020B0609020204030204" pitchFamily="49" charset="0"/>
-              </a:rPr>
-              <a:t>();</a:t>
-            </a:r>
-          </a:p>
-          <a:p>
-            <a:r>
-              <a:rPr lang="en-US" altLang="ko-KR" sz="1400" dirty="0">
-                <a:latin typeface="Consolas" panose="020B0609020204030204" pitchFamily="49" charset="0"/>
-              </a:rPr>
-              <a:t>    dequeue(q); </a:t>
-            </a:r>
-          </a:p>
-          <a:p>
-            <a:r>
-              <a:rPr lang="en-US" altLang="ko-KR" sz="1400" dirty="0">
-                <a:latin typeface="Consolas" panose="020B0609020204030204" pitchFamily="49" charset="0"/>
-              </a:rPr>
-              <a:t>    enqueue(q, 1);</a:t>
-            </a:r>
-          </a:p>
-          <a:p>
-            <a:r>
-              <a:rPr lang="en-US" altLang="ko-KR" sz="1400" dirty="0">
+              <a:rPr lang="en-US" altLang="ko-KR" sz="1400">
                 <a:latin typeface="Consolas" panose="020B0609020204030204" pitchFamily="49" charset="0"/>
               </a:rPr>
               <a:t>    </a:t>
             </a:r>
             <a:r>
-              <a:rPr lang="en-US" altLang="ko-KR" sz="1400" dirty="0" err="1">
-                <a:latin typeface="Consolas" panose="020B0609020204030204" pitchFamily="49" charset="0"/>
-              </a:rPr>
-              <a:t>enqueue</a:t>
-            </a:r>
-            <a:r>
-              <a:rPr lang="en-US" altLang="ko-KR" sz="1400" dirty="0">
-                <a:latin typeface="Consolas" panose="020B0609020204030204" pitchFamily="49" charset="0"/>
-              </a:rPr>
-              <a:t>(q, 2);</a:t>
-            </a:r>
-          </a:p>
-          <a:p>
-            <a:r>
-              <a:rPr lang="en-US" altLang="ko-KR" sz="1400" dirty="0">
+              <a:rPr lang="en-US" altLang="ko-KR" sz="1400" smtClean="0">
+                <a:latin typeface="Consolas" panose="020B0609020204030204" pitchFamily="49" charset="0"/>
+              </a:rPr>
+              <a:t>queue q </a:t>
+            </a:r>
+            <a:r>
+              <a:rPr lang="en-US" altLang="ko-KR" sz="1400">
+                <a:latin typeface="Consolas" panose="020B0609020204030204" pitchFamily="49" charset="0"/>
+              </a:rPr>
+              <a:t>= </a:t>
+            </a:r>
+            <a:r>
+              <a:rPr lang="en-US" altLang="ko-KR" sz="1400" smtClean="0">
+                <a:latin typeface="Consolas" panose="020B0609020204030204" pitchFamily="49" charset="0"/>
+              </a:rPr>
+              <a:t>newQueue();</a:t>
+            </a:r>
+            <a:endParaRPr lang="en-US" altLang="ko-KR" sz="1400" dirty="0">
+              <a:latin typeface="Consolas" panose="020B0609020204030204" pitchFamily="49" charset="0"/>
+            </a:endParaRPr>
+          </a:p>
+          <a:p>
+            <a:r>
+              <a:rPr lang="en-US" altLang="ko-KR" sz="1400">
+                <a:latin typeface="Consolas" panose="020B0609020204030204" pitchFamily="49" charset="0"/>
+              </a:rPr>
+              <a:t> </a:t>
+            </a:r>
+            <a:r>
+              <a:rPr lang="en-US" altLang="ko-KR" sz="1400" smtClean="0">
+                <a:latin typeface="Consolas" panose="020B0609020204030204" pitchFamily="49" charset="0"/>
+              </a:rPr>
+              <a:t>   </a:t>
+            </a:r>
+            <a:r>
+              <a:rPr lang="en-US" altLang="ko-KR" sz="1400" smtClean="0">
+                <a:latin typeface="Consolas" panose="020B0609020204030204" pitchFamily="49" charset="0"/>
+              </a:rPr>
+              <a:t>enqueue(q, 12);</a:t>
+            </a:r>
+            <a:endParaRPr lang="en-US" altLang="ko-KR" sz="1400" dirty="0">
+              <a:latin typeface="Consolas" panose="020B0609020204030204" pitchFamily="49" charset="0"/>
+            </a:endParaRPr>
+          </a:p>
+          <a:p>
+            <a:r>
+              <a:rPr lang="en-US" altLang="ko-KR" sz="1400">
                 <a:latin typeface="Consolas" panose="020B0609020204030204" pitchFamily="49" charset="0"/>
               </a:rPr>
               <a:t>    </a:t>
             </a:r>
             <a:r>
-              <a:rPr lang="en-US" altLang="ko-KR" sz="1400" dirty="0" err="1">
-                <a:latin typeface="Consolas" panose="020B0609020204030204" pitchFamily="49" charset="0"/>
-              </a:rPr>
-              <a:t>enqueue</a:t>
-            </a:r>
-            <a:r>
-              <a:rPr lang="en-US" altLang="ko-KR" sz="1400" dirty="0">
-                <a:latin typeface="Consolas" panose="020B0609020204030204" pitchFamily="49" charset="0"/>
-              </a:rPr>
-              <a:t>(q, 3);</a:t>
-            </a:r>
-          </a:p>
-          <a:p>
-            <a:r>
-              <a:rPr lang="en-US" altLang="ko-KR" sz="1400" dirty="0">
+              <a:rPr lang="en-US" altLang="ko-KR" sz="1400" smtClean="0">
+                <a:latin typeface="Consolas" panose="020B0609020204030204" pitchFamily="49" charset="0"/>
+              </a:rPr>
+              <a:t>enqueue(q, 17);</a:t>
+            </a:r>
+            <a:endParaRPr lang="en-US" altLang="ko-KR" sz="1400" dirty="0">
+              <a:latin typeface="Consolas" panose="020B0609020204030204" pitchFamily="49" charset="0"/>
+            </a:endParaRPr>
+          </a:p>
+          <a:p>
+            <a:r>
+              <a:rPr lang="en-US" altLang="ko-KR" sz="1400">
                 <a:latin typeface="Consolas" panose="020B0609020204030204" pitchFamily="49" charset="0"/>
               </a:rPr>
               <a:t>    </a:t>
             </a:r>
             <a:r>
-              <a:rPr lang="en-US" altLang="ko-KR" sz="1400" dirty="0" err="1">
-                <a:latin typeface="Consolas" panose="020B0609020204030204" pitchFamily="49" charset="0"/>
-              </a:rPr>
-              <a:t>enqueue</a:t>
-            </a:r>
-            <a:r>
-              <a:rPr lang="en-US" altLang="ko-KR" sz="1400" dirty="0">
-                <a:latin typeface="Consolas" panose="020B0609020204030204" pitchFamily="49" charset="0"/>
-              </a:rPr>
-              <a:t>(q, 4);</a:t>
-            </a:r>
-          </a:p>
-          <a:p>
-            <a:r>
-              <a:rPr lang="en-US" altLang="ko-KR" sz="1400" dirty="0">
+              <a:rPr lang="en-US" altLang="ko-KR" sz="1400" smtClean="0">
+                <a:latin typeface="Consolas" panose="020B0609020204030204" pitchFamily="49" charset="0"/>
+              </a:rPr>
+              <a:t>enqueue(q, 25);</a:t>
+            </a:r>
+            <a:endParaRPr lang="en-US" altLang="ko-KR" sz="1400" dirty="0">
+              <a:latin typeface="Consolas" panose="020B0609020204030204" pitchFamily="49" charset="0"/>
+            </a:endParaRPr>
+          </a:p>
+          <a:p>
+            <a:r>
+              <a:rPr lang="en-US" altLang="ko-KR" sz="1400">
                 <a:latin typeface="Consolas" panose="020B0609020204030204" pitchFamily="49" charset="0"/>
               </a:rPr>
               <a:t>    </a:t>
             </a:r>
             <a:r>
-              <a:rPr lang="en-US" altLang="ko-KR" sz="1400" dirty="0" err="1">
-                <a:latin typeface="Consolas" panose="020B0609020204030204" pitchFamily="49" charset="0"/>
-              </a:rPr>
-              <a:t>enqueue</a:t>
-            </a:r>
-            <a:r>
-              <a:rPr lang="en-US" altLang="ko-KR" sz="1400" dirty="0">
-                <a:latin typeface="Consolas" panose="020B0609020204030204" pitchFamily="49" charset="0"/>
-              </a:rPr>
-              <a:t>(q, 5);</a:t>
-            </a:r>
-          </a:p>
-          <a:p>
-            <a:r>
-              <a:rPr lang="en-US" altLang="ko-KR" sz="1400" dirty="0">
-                <a:latin typeface="Consolas" panose="020B0609020204030204" pitchFamily="49" charset="0"/>
-              </a:rPr>
-              <a:t>    enqueue(q, 6); </a:t>
-            </a:r>
-          </a:p>
-          <a:p>
-            <a:r>
-              <a:rPr lang="en-US" altLang="ko-KR" sz="1400" dirty="0">
-                <a:latin typeface="Consolas" panose="020B0609020204030204" pitchFamily="49" charset="0"/>
-              </a:rPr>
-              <a:t>    display(q);</a:t>
-            </a:r>
-          </a:p>
-          <a:p>
-            <a:r>
-              <a:rPr lang="en-US" altLang="ko-KR" sz="1400" dirty="0">
-                <a:latin typeface="Consolas" panose="020B0609020204030204" pitchFamily="49" charset="0"/>
-              </a:rPr>
-              <a:t>    int </a:t>
-            </a:r>
-            <a:r>
-              <a:rPr lang="en-US" altLang="ko-KR" sz="1400" dirty="0" err="1">
-                <a:latin typeface="Consolas" panose="020B0609020204030204" pitchFamily="49" charset="0"/>
-              </a:rPr>
-              <a:t>elem</a:t>
-            </a:r>
-            <a:r>
-              <a:rPr lang="en-US" altLang="ko-KR" sz="1400" dirty="0">
-                <a:latin typeface="Consolas" panose="020B0609020204030204" pitchFamily="49" charset="0"/>
-              </a:rPr>
-              <a:t> = </a:t>
-            </a:r>
-            <a:r>
-              <a:rPr lang="en-US" altLang="ko-KR" sz="1400" dirty="0" err="1">
-                <a:latin typeface="Consolas" panose="020B0609020204030204" pitchFamily="49" charset="0"/>
-              </a:rPr>
-              <a:t>dequeue</a:t>
-            </a:r>
-            <a:r>
-              <a:rPr lang="en-US" altLang="ko-KR" sz="1400" dirty="0">
-                <a:latin typeface="Consolas" panose="020B0609020204030204" pitchFamily="49" charset="0"/>
-              </a:rPr>
-              <a:t>(q);</a:t>
-            </a:r>
-          </a:p>
-          <a:p>
-            <a:r>
-              <a:rPr lang="en-US" altLang="ko-KR" sz="1400" dirty="0">
-                <a:latin typeface="Consolas" panose="020B0609020204030204" pitchFamily="49" charset="0"/>
-              </a:rPr>
-              <a:t>    if (</a:t>
-            </a:r>
-            <a:r>
-              <a:rPr lang="en-US" altLang="ko-KR" sz="1400" dirty="0" err="1">
-                <a:latin typeface="Consolas" panose="020B0609020204030204" pitchFamily="49" charset="0"/>
-              </a:rPr>
-              <a:t>elem</a:t>
-            </a:r>
-            <a:r>
-              <a:rPr lang="en-US" altLang="ko-KR" sz="1400" dirty="0">
-                <a:latin typeface="Consolas" panose="020B0609020204030204" pitchFamily="49" charset="0"/>
-              </a:rPr>
-              <a:t> != -1)</a:t>
-            </a:r>
-          </a:p>
-          <a:p>
-            <a:r>
-              <a:rPr lang="en-US" altLang="ko-KR" sz="1400" dirty="0">
-                <a:latin typeface="Consolas" panose="020B0609020204030204" pitchFamily="49" charset="0"/>
-              </a:rPr>
-              <a:t>       cout &lt;&lt; "</a:t>
-            </a:r>
-            <a:r>
-              <a:rPr lang="en-US" altLang="ko-KR" sz="1400" dirty="0" err="1">
-                <a:latin typeface="Consolas" panose="020B0609020204030204" pitchFamily="49" charset="0"/>
-              </a:rPr>
-              <a:t>dequeued</a:t>
-            </a:r>
-            <a:r>
-              <a:rPr lang="en-US" altLang="ko-KR" sz="1400" dirty="0">
-                <a:latin typeface="Consolas" panose="020B0609020204030204" pitchFamily="49" charset="0"/>
-              </a:rPr>
-              <a:t>: " &lt;&lt; </a:t>
-            </a:r>
-            <a:r>
-              <a:rPr lang="en-US" altLang="ko-KR" sz="1400" dirty="0" err="1">
-                <a:latin typeface="Consolas" panose="020B0609020204030204" pitchFamily="49" charset="0"/>
-              </a:rPr>
-              <a:t>elem</a:t>
-            </a:r>
-            <a:r>
-              <a:rPr lang="en-US" altLang="ko-KR" sz="1400" dirty="0">
-                <a:latin typeface="Consolas" panose="020B0609020204030204" pitchFamily="49" charset="0"/>
-              </a:rPr>
-              <a:t> &lt;&lt; endl;</a:t>
-            </a:r>
-          </a:p>
-          <a:p>
-            <a:r>
-              <a:rPr lang="en-US" altLang="ko-KR" sz="1400" dirty="0">
-                <a:latin typeface="Consolas" panose="020B0609020204030204" pitchFamily="49" charset="0"/>
-              </a:rPr>
-              <a:t>    display(q);</a:t>
-            </a:r>
-          </a:p>
-          <a:p>
-            <a:r>
-              <a:rPr lang="en-US" altLang="ko-KR" sz="1400" dirty="0">
+              <a:rPr lang="en-US" altLang="ko-KR" sz="1400" smtClean="0">
+                <a:latin typeface="Consolas" panose="020B0609020204030204" pitchFamily="49" charset="0"/>
+              </a:rPr>
+              <a:t>enqueue(q, 11);</a:t>
+            </a:r>
+            <a:endParaRPr lang="en-US" altLang="ko-KR" sz="1400" dirty="0">
+              <a:latin typeface="Consolas" panose="020B0609020204030204" pitchFamily="49" charset="0"/>
+            </a:endParaRPr>
+          </a:p>
+          <a:p>
+            <a:r>
+              <a:rPr lang="en-US" altLang="ko-KR" sz="1400" smtClean="0">
+                <a:latin typeface="Consolas" panose="020B0609020204030204" pitchFamily="49" charset="0"/>
+              </a:rPr>
+              <a:t>    dequeue(q);</a:t>
+            </a:r>
+            <a:endParaRPr lang="en-US" altLang="ko-KR" sz="1400" dirty="0">
+              <a:latin typeface="Consolas" panose="020B0609020204030204" pitchFamily="49" charset="0"/>
+            </a:endParaRPr>
+          </a:p>
+          <a:p>
+            <a:r>
+              <a:rPr lang="en-US" altLang="ko-KR" sz="1400">
                 <a:latin typeface="Consolas" panose="020B0609020204030204" pitchFamily="49" charset="0"/>
               </a:rPr>
               <a:t>    </a:t>
             </a:r>
             <a:r>
-              <a:rPr lang="en-US" altLang="ko-KR" sz="1400" dirty="0" err="1">
-                <a:latin typeface="Consolas" panose="020B0609020204030204" pitchFamily="49" charset="0"/>
-              </a:rPr>
-              <a:t>enqueue</a:t>
-            </a:r>
-            <a:r>
-              <a:rPr lang="en-US" altLang="ko-KR" sz="1400" dirty="0">
-                <a:latin typeface="Consolas" panose="020B0609020204030204" pitchFamily="49" charset="0"/>
-              </a:rPr>
-              <a:t>(q, 7);</a:t>
-            </a:r>
-          </a:p>
-          <a:p>
-            <a:r>
-              <a:rPr lang="en-US" altLang="ko-KR" sz="1400" dirty="0">
-                <a:latin typeface="Consolas" panose="020B0609020204030204" pitchFamily="49" charset="0"/>
-              </a:rPr>
-              <a:t>    display(q);</a:t>
-            </a:r>
-          </a:p>
-          <a:p>
-            <a:r>
-              <a:rPr lang="en-US" altLang="ko-KR" sz="1400" dirty="0">
-                <a:latin typeface="Consolas" panose="020B0609020204030204" pitchFamily="49" charset="0"/>
-              </a:rPr>
-              <a:t>    enqueue(q, 8); </a:t>
-            </a:r>
-          </a:p>
-          <a:p>
-            <a:r>
-              <a:rPr lang="en-US" altLang="ko-KR" sz="1400" dirty="0">
-                <a:latin typeface="Consolas" panose="020B0609020204030204" pitchFamily="49" charset="0"/>
-              </a:rPr>
-              <a:t>    dequeue(q);</a:t>
-            </a:r>
-          </a:p>
-          <a:p>
-            <a:r>
-              <a:rPr lang="en-US" altLang="ko-KR" sz="1400" dirty="0">
-                <a:latin typeface="Consolas" panose="020B0609020204030204" pitchFamily="49" charset="0"/>
-              </a:rPr>
-              <a:t>    dequeue(q);</a:t>
-            </a:r>
-          </a:p>
-          <a:p>
-            <a:r>
-              <a:rPr lang="en-US" altLang="ko-KR" sz="1400" dirty="0">
-                <a:latin typeface="Consolas" panose="020B0609020204030204" pitchFamily="49" charset="0"/>
-              </a:rPr>
-              <a:t>    display(q); </a:t>
-            </a:r>
-          </a:p>
-          <a:p>
-            <a:r>
-              <a:rPr lang="en-US" altLang="ko-KR" sz="1400" dirty="0">
-                <a:latin typeface="Consolas" panose="020B0609020204030204" pitchFamily="49" charset="0"/>
-              </a:rPr>
-              <a:t>    return 0;</a:t>
-            </a:r>
+              <a:rPr lang="en-US" altLang="ko-KR" sz="1400" smtClean="0">
+                <a:latin typeface="Consolas" panose="020B0609020204030204" pitchFamily="49" charset="0"/>
+              </a:rPr>
+              <a:t>dequeue(q);</a:t>
+            </a:r>
+            <a:endParaRPr lang="en-US" altLang="ko-KR" sz="1400" dirty="0">
+              <a:latin typeface="Consolas" panose="020B0609020204030204" pitchFamily="49" charset="0"/>
+            </a:endParaRPr>
+          </a:p>
+          <a:p>
+            <a:r>
+              <a:rPr lang="en-US" altLang="ko-KR" sz="1400">
+                <a:latin typeface="Consolas" panose="020B0609020204030204" pitchFamily="49" charset="0"/>
+              </a:rPr>
+              <a:t>    </a:t>
+            </a:r>
+            <a:r>
+              <a:rPr lang="en-US" altLang="ko-KR" sz="1400" smtClean="0">
+                <a:latin typeface="Consolas" panose="020B0609020204030204" pitchFamily="49" charset="0"/>
+              </a:rPr>
+              <a:t>enqueue(q, 30);</a:t>
+            </a:r>
+            <a:endParaRPr lang="en-US" altLang="ko-KR" sz="1400" dirty="0">
+              <a:latin typeface="Consolas" panose="020B0609020204030204" pitchFamily="49" charset="0"/>
+            </a:endParaRPr>
+          </a:p>
+          <a:p>
+            <a:r>
+              <a:rPr lang="en-US" altLang="ko-KR" sz="1400">
+                <a:latin typeface="Consolas" panose="020B0609020204030204" pitchFamily="49" charset="0"/>
+              </a:rPr>
+              <a:t>    </a:t>
+            </a:r>
+            <a:r>
+              <a:rPr lang="en-US" altLang="ko-KR" sz="1400" smtClean="0">
+                <a:latin typeface="Consolas" panose="020B0609020204030204" pitchFamily="49" charset="0"/>
+              </a:rPr>
+              <a:t>return(0);</a:t>
+            </a:r>
+            <a:endParaRPr lang="en-US" altLang="ko-KR" sz="1400" dirty="0">
+              <a:latin typeface="Consolas" panose="020B0609020204030204" pitchFamily="49" charset="0"/>
+            </a:endParaRPr>
           </a:p>
           <a:p>
             <a:r>
@@ -4338,126 +4273,6 @@
             <a:endParaRPr lang="ko-KR" altLang="en-US" sz="1400" dirty="0">
               <a:latin typeface="Consolas" panose="020B0609020204030204" pitchFamily="49" charset="0"/>
             </a:endParaRPr>
-          </a:p>
-        </p:txBody>
-      </p:sp>
-      <p:sp>
-        <p:nvSpPr>
-          <p:cNvPr id="5" name="직사각형 4">
-            <a:extLst>
-              <a:ext uri="{FF2B5EF4-FFF2-40B4-BE49-F238E27FC236}">
-                <a16:creationId xmlns:a16="http://schemas.microsoft.com/office/drawing/2014/main" id="{16557FE8-F29C-F61F-1D86-97E2377F8371}"/>
-              </a:ext>
-            </a:extLst>
-          </p:cNvPr>
-          <p:cNvSpPr/>
-          <p:nvPr/>
-        </p:nvSpPr>
-        <p:spPr>
-          <a:xfrm>
-            <a:off x="5616814" y="5242757"/>
-            <a:ext cx="6869825" cy="1815882"/>
-          </a:xfrm>
-          <a:prstGeom prst="rect">
-            <a:avLst/>
-          </a:prstGeom>
-          <a:solidFill>
-            <a:schemeClr val="bg1">
-              <a:lumMod val="85000"/>
-            </a:schemeClr>
-          </a:solidFill>
-          <a:ln>
-            <a:solidFill>
-              <a:schemeClr val="bg1">
-                <a:lumMod val="50000"/>
-              </a:schemeClr>
-            </a:solidFill>
-          </a:ln>
-        </p:spPr>
-        <p:txBody>
-          <a:bodyPr wrap="square">
-            <a:spAutoFit/>
-          </a:bodyPr>
-          <a:lstStyle/>
-          <a:p>
-            <a:r>
-              <a:rPr lang="en-US" altLang="ko-KR" sz="1600" dirty="0"/>
-              <a:t>Quiz:  </a:t>
-            </a:r>
-          </a:p>
-          <a:p>
-            <a:r>
-              <a:rPr lang="en-US" altLang="ko-KR" sz="1600"/>
-              <a:t>1. How </a:t>
-            </a:r>
-            <a:r>
-              <a:rPr lang="en-US" altLang="ko-KR" sz="1600" dirty="0"/>
-              <a:t>many failures occurred?</a:t>
-            </a:r>
-          </a:p>
-          <a:p>
-            <a:r>
-              <a:rPr lang="en-US" altLang="ko-KR" sz="1600"/>
-              <a:t>2. At </a:t>
-            </a:r>
-            <a:r>
-              <a:rPr lang="en-US" altLang="ko-KR" sz="1600" dirty="0"/>
-              <a:t>the end of running this main</a:t>
-            </a:r>
-            <a:r>
-              <a:rPr lang="en-US" altLang="ko-KR" sz="1600"/>
-              <a:t>(), </a:t>
-            </a:r>
-          </a:p>
-          <a:p>
-            <a:r>
-              <a:rPr lang="en-US" altLang="ko-KR" sz="1600"/>
-              <a:t>    (1) draw </a:t>
-            </a:r>
-            <a:r>
-              <a:rPr lang="en-US" altLang="ko-KR" sz="1600" dirty="0"/>
-              <a:t>a diagram that shows the status of queue </a:t>
-            </a:r>
-            <a:r>
-              <a:rPr lang="en-US" altLang="ko-KR" sz="1600"/>
-              <a:t>items and</a:t>
-            </a:r>
-          </a:p>
-          <a:p>
-            <a:r>
-              <a:rPr lang="en-US" altLang="ko-KR" sz="1600"/>
-              <a:t>     the </a:t>
-            </a:r>
-            <a:r>
-              <a:rPr lang="en-US" altLang="ko-KR" sz="1600" dirty="0"/>
-              <a:t>locations of front and rear.</a:t>
-            </a:r>
-            <a:r>
-              <a:rPr lang="en-US" altLang="ko-KR" sz="1600"/>
-              <a:t/>
-            </a:r>
-            <a:br>
-              <a:rPr lang="en-US" altLang="ko-KR" sz="1600"/>
-            </a:br>
-            <a:r>
-              <a:rPr lang="en-US" altLang="ko-KR" sz="1600"/>
-              <a:t>    (</a:t>
-            </a:r>
-            <a:r>
-              <a:rPr lang="en-US" altLang="ko-KR" sz="1600" dirty="0"/>
-              <a:t>2) write elements in the queue from front to </a:t>
-            </a:r>
-            <a:r>
-              <a:rPr lang="en-US" altLang="ko-KR" sz="1600"/>
-              <a:t>rear.</a:t>
-            </a:r>
-          </a:p>
-          <a:p>
-            <a:r>
-              <a:rPr lang="en-US" altLang="ko-KR" sz="1600"/>
-              <a:t>3 Debug display() function and complete assert() statement.</a:t>
-            </a:r>
-            <a:endParaRPr lang="en-US" altLang="ko-KR" sz="1600" dirty="0"/>
           </a:p>
         </p:txBody>
       </p:sp>
@@ -4475,10 +4290,10 @@
         </p:nvGrpSpPr>
         <p:grpSpPr>
           <a:xfrm>
-            <a:off x="9351144" y="3278894"/>
-            <a:ext cx="2857500" cy="1703106"/>
-            <a:chOff x="6653519" y="5010528"/>
-            <a:chExt cx="2857500" cy="1703106"/>
+            <a:off x="4155690" y="2297220"/>
+            <a:ext cx="2857500" cy="1438744"/>
+            <a:chOff x="6653519" y="5274890"/>
+            <a:chExt cx="2857500" cy="1438744"/>
           </a:xfrm>
         </p:grpSpPr>
         <p:grpSp>
@@ -4831,7 +4646,1307 @@
           </p:nvSpPr>
           <p:spPr>
             <a:xfrm>
-              <a:off x="7599509" y="5010528"/>
+              <a:off x="7797144" y="5274890"/>
+              <a:ext cx="582211" cy="307777"/>
+            </a:xfrm>
+            <a:prstGeom prst="rect">
+              <a:avLst/>
+            </a:prstGeom>
+          </p:spPr>
+          <p:txBody>
+            <a:bodyPr wrap="none">
+              <a:spAutoFit/>
+            </a:bodyPr>
+            <a:lstStyle/>
+            <a:p>
+              <a:r>
+                <a:rPr lang="en-US" altLang="ko-KR" sz="1400" dirty="0">
+                  <a:solidFill>
+                    <a:srgbClr val="C00000"/>
+                  </a:solidFill>
+                  <a:latin typeface="Century Gothic" panose="020B0502020202020204" pitchFamily="34" charset="0"/>
+                </a:rPr>
+                <a:t>front</a:t>
+              </a:r>
+              <a:endParaRPr lang="ko-KR" altLang="en-US" sz="1400" dirty="0">
+                <a:solidFill>
+                  <a:srgbClr val="C00000"/>
+                </a:solidFill>
+              </a:endParaRPr>
+            </a:p>
+          </p:txBody>
+        </p:sp>
+        <p:sp>
+          <p:nvSpPr>
+            <p:cNvPr id="25" name="직사각형 24">
+              <a:extLst>
+                <a:ext uri="{FF2B5EF4-FFF2-40B4-BE49-F238E27FC236}">
+                  <a16:creationId xmlns:a16="http://schemas.microsoft.com/office/drawing/2014/main" id="{2078095D-4889-FA49-C108-EC73DA1393DA}"/>
+                </a:ext>
+              </a:extLst>
+            </p:cNvPr>
+            <p:cNvSpPr/>
+            <p:nvPr/>
+          </p:nvSpPr>
+          <p:spPr>
+            <a:xfrm>
+              <a:off x="7815208" y="5529208"/>
+              <a:ext cx="534121" cy="307777"/>
+            </a:xfrm>
+            <a:prstGeom prst="rect">
+              <a:avLst/>
+            </a:prstGeom>
+          </p:spPr>
+          <p:txBody>
+            <a:bodyPr wrap="none">
+              <a:spAutoFit/>
+            </a:bodyPr>
+            <a:lstStyle/>
+            <a:p>
+              <a:r>
+                <a:rPr lang="en-US" altLang="ko-KR" sz="1400" dirty="0">
+                  <a:solidFill>
+                    <a:srgbClr val="C00000"/>
+                  </a:solidFill>
+                  <a:latin typeface="Century Gothic" panose="020B0502020202020204" pitchFamily="34" charset="0"/>
+                </a:rPr>
+                <a:t>rear</a:t>
+              </a:r>
+              <a:endParaRPr lang="ko-KR" altLang="en-US" sz="1400" dirty="0">
+                <a:solidFill>
+                  <a:srgbClr val="C00000"/>
+                </a:solidFill>
+              </a:endParaRPr>
+            </a:p>
+          </p:txBody>
+        </p:sp>
+        <p:sp>
+          <p:nvSpPr>
+            <p:cNvPr id="26" name="직사각형 25">
+              <a:extLst>
+                <a:ext uri="{FF2B5EF4-FFF2-40B4-BE49-F238E27FC236}">
+                  <a16:creationId xmlns:a16="http://schemas.microsoft.com/office/drawing/2014/main" id="{82B71821-2E8F-5983-C227-B40C26721EF9}"/>
+                </a:ext>
+              </a:extLst>
+            </p:cNvPr>
+            <p:cNvSpPr/>
+            <p:nvPr/>
+          </p:nvSpPr>
+          <p:spPr>
+            <a:xfrm>
+              <a:off x="7682283" y="5451814"/>
+              <a:ext cx="184731" cy="307777"/>
+            </a:xfrm>
+            <a:prstGeom prst="rect">
+              <a:avLst/>
+            </a:prstGeom>
+          </p:spPr>
+          <p:txBody>
+            <a:bodyPr wrap="none">
+              <a:spAutoFit/>
+            </a:bodyPr>
+            <a:lstStyle/>
+            <a:p>
+              <a:endParaRPr lang="ko-KR" altLang="en-US" sz="1400" i="1" dirty="0">
+                <a:solidFill>
+                  <a:srgbClr val="C00000"/>
+                </a:solidFill>
+              </a:endParaRPr>
+            </a:p>
+          </p:txBody>
+        </p:sp>
+        <p:sp>
+          <p:nvSpPr>
+            <p:cNvPr id="27" name="직사각형 26">
+              <a:extLst>
+                <a:ext uri="{FF2B5EF4-FFF2-40B4-BE49-F238E27FC236}">
+                  <a16:creationId xmlns:a16="http://schemas.microsoft.com/office/drawing/2014/main" id="{1F12FCCC-917D-3706-1FA0-476AC51D84A1}"/>
+                </a:ext>
+              </a:extLst>
+            </p:cNvPr>
+            <p:cNvSpPr/>
+            <p:nvPr/>
+          </p:nvSpPr>
+          <p:spPr>
+            <a:xfrm>
+              <a:off x="6712212" y="6405857"/>
+              <a:ext cx="482824" cy="307777"/>
+            </a:xfrm>
+            <a:prstGeom prst="rect">
+              <a:avLst/>
+            </a:prstGeom>
+          </p:spPr>
+          <p:txBody>
+            <a:bodyPr wrap="none">
+              <a:spAutoFit/>
+            </a:bodyPr>
+            <a:lstStyle/>
+            <a:p>
+              <a:r>
+                <a:rPr lang="en-US" altLang="ko-KR" sz="1400" dirty="0">
+                  <a:latin typeface="Consolas" panose="020B0609020204030204" pitchFamily="49" charset="0"/>
+                </a:rPr>
+                <a:t>[0]</a:t>
+              </a:r>
+              <a:endParaRPr lang="ko-KR" altLang="en-US" sz="1400" dirty="0">
+                <a:latin typeface="Consolas" panose="020B0609020204030204" pitchFamily="49" charset="0"/>
+              </a:endParaRPr>
+            </a:p>
+          </p:txBody>
+        </p:sp>
+        <p:sp>
+          <p:nvSpPr>
+            <p:cNvPr id="28" name="직사각형 27">
+              <a:extLst>
+                <a:ext uri="{FF2B5EF4-FFF2-40B4-BE49-F238E27FC236}">
+                  <a16:creationId xmlns:a16="http://schemas.microsoft.com/office/drawing/2014/main" id="{12780C4E-14E6-881E-ABFD-4668FE2E86BC}"/>
+                </a:ext>
+              </a:extLst>
+            </p:cNvPr>
+            <p:cNvSpPr/>
+            <p:nvPr/>
+          </p:nvSpPr>
+          <p:spPr>
+            <a:xfrm>
+              <a:off x="7264804" y="6405857"/>
+              <a:ext cx="482824" cy="307777"/>
+            </a:xfrm>
+            <a:prstGeom prst="rect">
+              <a:avLst/>
+            </a:prstGeom>
+          </p:spPr>
+          <p:txBody>
+            <a:bodyPr wrap="none">
+              <a:spAutoFit/>
+            </a:bodyPr>
+            <a:lstStyle/>
+            <a:p>
+              <a:r>
+                <a:rPr lang="en-US" altLang="ko-KR" sz="1400" dirty="0">
+                  <a:latin typeface="Consolas" panose="020B0609020204030204" pitchFamily="49" charset="0"/>
+                </a:rPr>
+                <a:t>[1]</a:t>
+              </a:r>
+              <a:endParaRPr lang="ko-KR" altLang="en-US" sz="1400" dirty="0">
+                <a:latin typeface="Consolas" panose="020B0609020204030204" pitchFamily="49" charset="0"/>
+              </a:endParaRPr>
+            </a:p>
+          </p:txBody>
+        </p:sp>
+        <p:sp>
+          <p:nvSpPr>
+            <p:cNvPr id="29" name="직사각형 28">
+              <a:extLst>
+                <a:ext uri="{FF2B5EF4-FFF2-40B4-BE49-F238E27FC236}">
+                  <a16:creationId xmlns:a16="http://schemas.microsoft.com/office/drawing/2014/main" id="{35018EEB-1BE3-FE86-6EFA-B6A5072DF88B}"/>
+                </a:ext>
+              </a:extLst>
+            </p:cNvPr>
+            <p:cNvSpPr/>
+            <p:nvPr/>
+          </p:nvSpPr>
+          <p:spPr>
+            <a:xfrm>
+              <a:off x="7819892" y="6405856"/>
+              <a:ext cx="482824" cy="307777"/>
+            </a:xfrm>
+            <a:prstGeom prst="rect">
+              <a:avLst/>
+            </a:prstGeom>
+          </p:spPr>
+          <p:txBody>
+            <a:bodyPr wrap="none">
+              <a:spAutoFit/>
+            </a:bodyPr>
+            <a:lstStyle/>
+            <a:p>
+              <a:r>
+                <a:rPr lang="en-US" altLang="ko-KR" sz="1400" dirty="0">
+                  <a:latin typeface="Consolas" panose="020B0609020204030204" pitchFamily="49" charset="0"/>
+                </a:rPr>
+                <a:t>[2]</a:t>
+              </a:r>
+              <a:endParaRPr lang="ko-KR" altLang="en-US" sz="1400" dirty="0">
+                <a:latin typeface="Consolas" panose="020B0609020204030204" pitchFamily="49" charset="0"/>
+              </a:endParaRPr>
+            </a:p>
+          </p:txBody>
+        </p:sp>
+        <p:sp>
+          <p:nvSpPr>
+            <p:cNvPr id="30" name="직사각형 29">
+              <a:extLst>
+                <a:ext uri="{FF2B5EF4-FFF2-40B4-BE49-F238E27FC236}">
+                  <a16:creationId xmlns:a16="http://schemas.microsoft.com/office/drawing/2014/main" id="{4EF48B8C-1641-B87B-4623-4FDBB633C831}"/>
+                </a:ext>
+              </a:extLst>
+            </p:cNvPr>
+            <p:cNvSpPr/>
+            <p:nvPr/>
+          </p:nvSpPr>
+          <p:spPr>
+            <a:xfrm>
+              <a:off x="8379355" y="6405856"/>
+              <a:ext cx="482824" cy="307777"/>
+            </a:xfrm>
+            <a:prstGeom prst="rect">
+              <a:avLst/>
+            </a:prstGeom>
+          </p:spPr>
+          <p:txBody>
+            <a:bodyPr wrap="none">
+              <a:spAutoFit/>
+            </a:bodyPr>
+            <a:lstStyle/>
+            <a:p>
+              <a:r>
+                <a:rPr lang="en-US" altLang="ko-KR" sz="1400" dirty="0">
+                  <a:latin typeface="Consolas" panose="020B0609020204030204" pitchFamily="49" charset="0"/>
+                </a:rPr>
+                <a:t>[3]</a:t>
+              </a:r>
+              <a:endParaRPr lang="ko-KR" altLang="en-US" sz="1400" dirty="0">
+                <a:latin typeface="Consolas" panose="020B0609020204030204" pitchFamily="49" charset="0"/>
+              </a:endParaRPr>
+            </a:p>
+          </p:txBody>
+        </p:sp>
+        <p:sp>
+          <p:nvSpPr>
+            <p:cNvPr id="31" name="직사각형 30">
+              <a:extLst>
+                <a:ext uri="{FF2B5EF4-FFF2-40B4-BE49-F238E27FC236}">
+                  <a16:creationId xmlns:a16="http://schemas.microsoft.com/office/drawing/2014/main" id="{FEE5D07C-6C1B-D675-0EB8-C08E01271007}"/>
+                </a:ext>
+              </a:extLst>
+            </p:cNvPr>
+            <p:cNvSpPr/>
+            <p:nvPr/>
+          </p:nvSpPr>
+          <p:spPr>
+            <a:xfrm>
+              <a:off x="8949281" y="6405856"/>
+              <a:ext cx="482824" cy="307777"/>
+            </a:xfrm>
+            <a:prstGeom prst="rect">
+              <a:avLst/>
+            </a:prstGeom>
+          </p:spPr>
+          <p:txBody>
+            <a:bodyPr wrap="none">
+              <a:spAutoFit/>
+            </a:bodyPr>
+            <a:lstStyle/>
+            <a:p>
+              <a:r>
+                <a:rPr lang="en-US" altLang="ko-KR" sz="1400" dirty="0">
+                  <a:latin typeface="Consolas" panose="020B0609020204030204" pitchFamily="49" charset="0"/>
+                </a:rPr>
+                <a:t>[4]</a:t>
+              </a:r>
+              <a:endParaRPr lang="ko-KR" altLang="en-US" sz="1400" dirty="0">
+                <a:latin typeface="Consolas" panose="020B0609020204030204" pitchFamily="49" charset="0"/>
+              </a:endParaRPr>
+            </a:p>
+          </p:txBody>
+        </p:sp>
+      </p:grpSp>
+      <p:sp>
+        <p:nvSpPr>
+          <p:cNvPr id="37" name="직사각형 36">
+            <a:extLst>
+              <a:ext uri="{FF2B5EF4-FFF2-40B4-BE49-F238E27FC236}">
+                <a16:creationId xmlns:a16="http://schemas.microsoft.com/office/drawing/2014/main" id="{F366E3AF-39B2-77CE-C3CB-DE72FD480B5F}"/>
+              </a:ext>
+            </a:extLst>
+          </p:cNvPr>
+          <p:cNvSpPr/>
+          <p:nvPr/>
+        </p:nvSpPr>
+        <p:spPr>
+          <a:xfrm>
+            <a:off x="518161" y="950132"/>
+            <a:ext cx="11968478" cy="584775"/>
+          </a:xfrm>
+          <a:prstGeom prst="rect">
+            <a:avLst/>
+          </a:prstGeom>
+          <a:solidFill>
+            <a:schemeClr val="bg1">
+              <a:lumMod val="85000"/>
+            </a:schemeClr>
+          </a:solidFill>
+          <a:ln>
+            <a:solidFill>
+              <a:schemeClr val="bg1">
+                <a:lumMod val="50000"/>
+              </a:schemeClr>
+            </a:solidFill>
+          </a:ln>
+        </p:spPr>
+        <p:txBody>
+          <a:bodyPr wrap="square">
+            <a:spAutoFit/>
+          </a:bodyPr>
+          <a:lstStyle/>
+          <a:p>
+            <a:r>
+              <a:rPr lang="en-US" altLang="ko-KR" sz="1600" smtClean="0">
+                <a:cs typeface="Times New Roman"/>
+              </a:rPr>
+              <a:t>In the diagram, draw the final status of the queue including where the [front] and [rear] are located after </a:t>
+            </a:r>
+            <a:r>
+              <a:rPr lang="en-US" altLang="ko-KR" sz="1600">
+                <a:cs typeface="Times New Roman"/>
+              </a:rPr>
+              <a:t>executing </a:t>
+            </a:r>
+            <a:r>
+              <a:rPr lang="en-US" altLang="ko-KR" sz="1600">
+                <a:cs typeface="Times New Roman"/>
+              </a:rPr>
+              <a:t>the </a:t>
+            </a:r>
+            <a:r>
+              <a:rPr lang="en-US" altLang="ko-KR" sz="1600" smtClean="0">
+                <a:cs typeface="Times New Roman"/>
+              </a:rPr>
+              <a:t>following </a:t>
+            </a:r>
+            <a:r>
+              <a:rPr lang="en-US" altLang="ko-KR" sz="1600">
+                <a:cs typeface="Times New Roman"/>
+              </a:rPr>
+              <a:t>code </a:t>
+            </a:r>
+            <a:r>
+              <a:rPr lang="en-US" altLang="ko-KR" sz="1600" smtClean="0">
+                <a:cs typeface="Times New Roman"/>
+              </a:rPr>
+              <a:t>snippet. </a:t>
+            </a:r>
+            <a:endParaRPr lang="en-US" altLang="ko-KR" sz="1600" dirty="0">
+              <a:cs typeface="Times New Roman"/>
+            </a:endParaRPr>
+          </a:p>
+        </p:txBody>
+      </p:sp>
+    </p:spTree>
+    <p:extLst>
+      <p:ext uri="{BB962C8B-B14F-4D97-AF65-F5344CB8AC3E}">
+        <p14:creationId xmlns:p14="http://schemas.microsoft.com/office/powerpoint/2010/main" val="2985154701"/>
+      </p:ext>
+    </p:extLst>
+  </p:cSld>
+  <p:clrMapOvr>
+    <a:masterClrMapping/>
+  </p:clrMapOvr>
+</p:sld>
+</file>
+
+<file path=ppt/slides/slide2.xml><?xml version="1.0" encoding="utf-8"?>
+<p:sld xmlns:a="http://schemas.openxmlformats.org/drawingml/2006/main" xmlns:r="http://schemas.openxmlformats.org/officeDocument/2006/relationships" xmlns:p="http://schemas.openxmlformats.org/presentationml/2006/main">
+  <p:cSld>
+    <p:spTree>
+      <p:nvGrpSpPr>
+        <p:cNvPr id="1" name=""/>
+        <p:cNvGrpSpPr/>
+        <p:nvPr/>
+      </p:nvGrpSpPr>
+      <p:grpSpPr>
+        <a:xfrm>
+          <a:off x="0" y="0"/>
+          <a:ext cx="0" cy="0"/>
+          <a:chOff x="0" y="0"/>
+          <a:chExt cx="0" cy="0"/>
+        </a:xfrm>
+      </p:grpSpPr>
+      <p:sp>
+        <p:nvSpPr>
+          <p:cNvPr id="2" name="제목 1"/>
+          <p:cNvSpPr>
+            <a:spLocks noGrp="1"/>
+          </p:cNvSpPr>
+          <p:nvPr>
+            <p:ph type="title"/>
+          </p:nvPr>
+        </p:nvSpPr>
+        <p:spPr/>
+        <p:txBody>
+          <a:bodyPr>
+            <a:normAutofit/>
+          </a:bodyPr>
+          <a:lstStyle/>
+          <a:p>
+            <a:r>
+              <a:rPr lang="en-US" altLang="ko-KR" smtClean="0"/>
+              <a:t>Circular Queue 2</a:t>
+            </a:r>
+            <a:endParaRPr lang="ko-KR" altLang="en-US" dirty="0"/>
+          </a:p>
+        </p:txBody>
+      </p:sp>
+      <p:sp>
+        <p:nvSpPr>
+          <p:cNvPr id="4" name="슬라이드 번호 개체 틀 3"/>
+          <p:cNvSpPr>
+            <a:spLocks noGrp="1"/>
+          </p:cNvSpPr>
+          <p:nvPr>
+            <p:ph type="sldNum" sz="quarter" idx="12"/>
+          </p:nvPr>
+        </p:nvSpPr>
+        <p:spPr/>
+        <p:txBody>
+          <a:bodyPr/>
+          <a:lstStyle/>
+          <a:p>
+            <a:fld id="{5292DF6F-3DA5-4765-A844-0D90919D9092}" type="slidenum">
+              <a:rPr lang="en-US" altLang="ko-KR" smtClean="0"/>
+              <a:pPr/>
+              <a:t>2</a:t>
+            </a:fld>
+            <a:endParaRPr lang="en-US" altLang="ko-KR"/>
+          </a:p>
+        </p:txBody>
+      </p:sp>
+      <p:sp>
+        <p:nvSpPr>
+          <p:cNvPr id="9" name="직사각형 8"/>
+          <p:cNvSpPr/>
+          <p:nvPr/>
+        </p:nvSpPr>
+        <p:spPr>
+          <a:xfrm>
+            <a:off x="518161" y="933733"/>
+            <a:ext cx="11968478" cy="4832092"/>
+          </a:xfrm>
+          <a:prstGeom prst="rect">
+            <a:avLst/>
+          </a:prstGeom>
+          <a:solidFill>
+            <a:schemeClr val="bg1">
+              <a:lumMod val="95000"/>
+            </a:schemeClr>
+          </a:solidFill>
+          <a:ln>
+            <a:solidFill>
+              <a:schemeClr val="bg1">
+                <a:lumMod val="65000"/>
+              </a:schemeClr>
+            </a:solidFill>
+          </a:ln>
+        </p:spPr>
+        <p:txBody>
+          <a:bodyPr wrap="square">
+            <a:spAutoFit/>
+          </a:bodyPr>
+          <a:lstStyle/>
+          <a:p>
+            <a:r>
+              <a:rPr lang="en-US" altLang="ko-KR" sz="1400" dirty="0">
+                <a:latin typeface="Consolas" panose="020B0609020204030204" pitchFamily="49" charset="0"/>
+              </a:rPr>
+              <a:t>int main() {</a:t>
+            </a:r>
+          </a:p>
+          <a:p>
+            <a:r>
+              <a:rPr lang="en-US" altLang="ko-KR" sz="1400" dirty="0">
+                <a:latin typeface="Consolas" panose="020B0609020204030204" pitchFamily="49" charset="0"/>
+              </a:rPr>
+              <a:t>    queue q = </a:t>
+            </a:r>
+            <a:r>
+              <a:rPr lang="en-US" altLang="ko-KR" sz="1400" dirty="0" err="1">
+                <a:latin typeface="Consolas" panose="020B0609020204030204" pitchFamily="49" charset="0"/>
+              </a:rPr>
+              <a:t>newQueue</a:t>
+            </a:r>
+            <a:r>
+              <a:rPr lang="en-US" altLang="ko-KR" sz="1400" dirty="0">
+                <a:latin typeface="Consolas" panose="020B0609020204030204" pitchFamily="49" charset="0"/>
+              </a:rPr>
+              <a:t>();</a:t>
+            </a:r>
+          </a:p>
+          <a:p>
+            <a:r>
+              <a:rPr lang="en-US" altLang="ko-KR" sz="1400" dirty="0">
+                <a:latin typeface="Consolas" panose="020B0609020204030204" pitchFamily="49" charset="0"/>
+              </a:rPr>
+              <a:t>    dequeue(q); </a:t>
+            </a:r>
+          </a:p>
+          <a:p>
+            <a:r>
+              <a:rPr lang="en-US" altLang="ko-KR" sz="1400" dirty="0">
+                <a:latin typeface="Consolas" panose="020B0609020204030204" pitchFamily="49" charset="0"/>
+              </a:rPr>
+              <a:t>    enqueue(q, 1);</a:t>
+            </a:r>
+          </a:p>
+          <a:p>
+            <a:r>
+              <a:rPr lang="en-US" altLang="ko-KR" sz="1400" dirty="0">
+                <a:latin typeface="Consolas" panose="020B0609020204030204" pitchFamily="49" charset="0"/>
+              </a:rPr>
+              <a:t>    </a:t>
+            </a:r>
+            <a:r>
+              <a:rPr lang="en-US" altLang="ko-KR" sz="1400" dirty="0" err="1">
+                <a:latin typeface="Consolas" panose="020B0609020204030204" pitchFamily="49" charset="0"/>
+              </a:rPr>
+              <a:t>enqueue</a:t>
+            </a:r>
+            <a:r>
+              <a:rPr lang="en-US" altLang="ko-KR" sz="1400" dirty="0">
+                <a:latin typeface="Consolas" panose="020B0609020204030204" pitchFamily="49" charset="0"/>
+              </a:rPr>
+              <a:t>(q, 2);</a:t>
+            </a:r>
+          </a:p>
+          <a:p>
+            <a:r>
+              <a:rPr lang="en-US" altLang="ko-KR" sz="1400" dirty="0">
+                <a:latin typeface="Consolas" panose="020B0609020204030204" pitchFamily="49" charset="0"/>
+              </a:rPr>
+              <a:t>    </a:t>
+            </a:r>
+            <a:r>
+              <a:rPr lang="en-US" altLang="ko-KR" sz="1400" dirty="0" err="1">
+                <a:latin typeface="Consolas" panose="020B0609020204030204" pitchFamily="49" charset="0"/>
+              </a:rPr>
+              <a:t>enqueue</a:t>
+            </a:r>
+            <a:r>
+              <a:rPr lang="en-US" altLang="ko-KR" sz="1400" dirty="0">
+                <a:latin typeface="Consolas" panose="020B0609020204030204" pitchFamily="49" charset="0"/>
+              </a:rPr>
+              <a:t>(q, 3);</a:t>
+            </a:r>
+          </a:p>
+          <a:p>
+            <a:r>
+              <a:rPr lang="en-US" altLang="ko-KR" sz="1400" dirty="0">
+                <a:latin typeface="Consolas" panose="020B0609020204030204" pitchFamily="49" charset="0"/>
+              </a:rPr>
+              <a:t>    </a:t>
+            </a:r>
+            <a:r>
+              <a:rPr lang="en-US" altLang="ko-KR" sz="1400" dirty="0" err="1">
+                <a:latin typeface="Consolas" panose="020B0609020204030204" pitchFamily="49" charset="0"/>
+              </a:rPr>
+              <a:t>enqueue</a:t>
+            </a:r>
+            <a:r>
+              <a:rPr lang="en-US" altLang="ko-KR" sz="1400" dirty="0">
+                <a:latin typeface="Consolas" panose="020B0609020204030204" pitchFamily="49" charset="0"/>
+              </a:rPr>
+              <a:t>(q, 4);</a:t>
+            </a:r>
+          </a:p>
+          <a:p>
+            <a:r>
+              <a:rPr lang="en-US" altLang="ko-KR" sz="1400" dirty="0">
+                <a:latin typeface="Consolas" panose="020B0609020204030204" pitchFamily="49" charset="0"/>
+              </a:rPr>
+              <a:t>    </a:t>
+            </a:r>
+            <a:r>
+              <a:rPr lang="en-US" altLang="ko-KR" sz="1400" dirty="0" err="1">
+                <a:latin typeface="Consolas" panose="020B0609020204030204" pitchFamily="49" charset="0"/>
+              </a:rPr>
+              <a:t>enqueue</a:t>
+            </a:r>
+            <a:r>
+              <a:rPr lang="en-US" altLang="ko-KR" sz="1400" dirty="0">
+                <a:latin typeface="Consolas" panose="020B0609020204030204" pitchFamily="49" charset="0"/>
+              </a:rPr>
+              <a:t>(q, 5);</a:t>
+            </a:r>
+          </a:p>
+          <a:p>
+            <a:r>
+              <a:rPr lang="en-US" altLang="ko-KR" sz="1400" dirty="0">
+                <a:latin typeface="Consolas" panose="020B0609020204030204" pitchFamily="49" charset="0"/>
+              </a:rPr>
+              <a:t>    enqueue(q, 6); </a:t>
+            </a:r>
+          </a:p>
+          <a:p>
+            <a:r>
+              <a:rPr lang="en-US" altLang="ko-KR" sz="1400" dirty="0">
+                <a:latin typeface="Consolas" panose="020B0609020204030204" pitchFamily="49" charset="0"/>
+              </a:rPr>
+              <a:t>    display(q);</a:t>
+            </a:r>
+          </a:p>
+          <a:p>
+            <a:r>
+              <a:rPr lang="en-US" altLang="ko-KR" sz="1400" dirty="0">
+                <a:latin typeface="Consolas" panose="020B0609020204030204" pitchFamily="49" charset="0"/>
+              </a:rPr>
+              <a:t>    int </a:t>
+            </a:r>
+            <a:r>
+              <a:rPr lang="en-US" altLang="ko-KR" sz="1400" dirty="0" err="1">
+                <a:latin typeface="Consolas" panose="020B0609020204030204" pitchFamily="49" charset="0"/>
+              </a:rPr>
+              <a:t>elem</a:t>
+            </a:r>
+            <a:r>
+              <a:rPr lang="en-US" altLang="ko-KR" sz="1400" dirty="0">
+                <a:latin typeface="Consolas" panose="020B0609020204030204" pitchFamily="49" charset="0"/>
+              </a:rPr>
+              <a:t> = </a:t>
+            </a:r>
+            <a:r>
+              <a:rPr lang="en-US" altLang="ko-KR" sz="1400" dirty="0" err="1">
+                <a:latin typeface="Consolas" panose="020B0609020204030204" pitchFamily="49" charset="0"/>
+              </a:rPr>
+              <a:t>dequeue</a:t>
+            </a:r>
+            <a:r>
+              <a:rPr lang="en-US" altLang="ko-KR" sz="1400" dirty="0">
+                <a:latin typeface="Consolas" panose="020B0609020204030204" pitchFamily="49" charset="0"/>
+              </a:rPr>
+              <a:t>(q);</a:t>
+            </a:r>
+          </a:p>
+          <a:p>
+            <a:r>
+              <a:rPr lang="en-US" altLang="ko-KR" sz="1400" dirty="0">
+                <a:latin typeface="Consolas" panose="020B0609020204030204" pitchFamily="49" charset="0"/>
+              </a:rPr>
+              <a:t>    if (</a:t>
+            </a:r>
+            <a:r>
+              <a:rPr lang="en-US" altLang="ko-KR" sz="1400" dirty="0" err="1">
+                <a:latin typeface="Consolas" panose="020B0609020204030204" pitchFamily="49" charset="0"/>
+              </a:rPr>
+              <a:t>elem</a:t>
+            </a:r>
+            <a:r>
+              <a:rPr lang="en-US" altLang="ko-KR" sz="1400" dirty="0">
+                <a:latin typeface="Consolas" panose="020B0609020204030204" pitchFamily="49" charset="0"/>
+              </a:rPr>
+              <a:t> != -1)</a:t>
+            </a:r>
+          </a:p>
+          <a:p>
+            <a:r>
+              <a:rPr lang="en-US" altLang="ko-KR" sz="1400" dirty="0">
+                <a:latin typeface="Consolas" panose="020B0609020204030204" pitchFamily="49" charset="0"/>
+              </a:rPr>
+              <a:t>       cout &lt;&lt; "</a:t>
+            </a:r>
+            <a:r>
+              <a:rPr lang="en-US" altLang="ko-KR" sz="1400" dirty="0" err="1">
+                <a:latin typeface="Consolas" panose="020B0609020204030204" pitchFamily="49" charset="0"/>
+              </a:rPr>
+              <a:t>dequeued</a:t>
+            </a:r>
+            <a:r>
+              <a:rPr lang="en-US" altLang="ko-KR" sz="1400" dirty="0">
+                <a:latin typeface="Consolas" panose="020B0609020204030204" pitchFamily="49" charset="0"/>
+              </a:rPr>
+              <a:t>: " &lt;&lt; </a:t>
+            </a:r>
+            <a:r>
+              <a:rPr lang="en-US" altLang="ko-KR" sz="1400" dirty="0" err="1">
+                <a:latin typeface="Consolas" panose="020B0609020204030204" pitchFamily="49" charset="0"/>
+              </a:rPr>
+              <a:t>elem</a:t>
+            </a:r>
+            <a:r>
+              <a:rPr lang="en-US" altLang="ko-KR" sz="1400" dirty="0">
+                <a:latin typeface="Consolas" panose="020B0609020204030204" pitchFamily="49" charset="0"/>
+              </a:rPr>
+              <a:t> &lt;&lt; endl;</a:t>
+            </a:r>
+          </a:p>
+          <a:p>
+            <a:r>
+              <a:rPr lang="en-US" altLang="ko-KR" sz="1400" dirty="0">
+                <a:latin typeface="Consolas" panose="020B0609020204030204" pitchFamily="49" charset="0"/>
+              </a:rPr>
+              <a:t>    display(q);</a:t>
+            </a:r>
+          </a:p>
+          <a:p>
+            <a:r>
+              <a:rPr lang="en-US" altLang="ko-KR" sz="1400" dirty="0">
+                <a:latin typeface="Consolas" panose="020B0609020204030204" pitchFamily="49" charset="0"/>
+              </a:rPr>
+              <a:t>    </a:t>
+            </a:r>
+            <a:r>
+              <a:rPr lang="en-US" altLang="ko-KR" sz="1400" dirty="0" err="1">
+                <a:latin typeface="Consolas" panose="020B0609020204030204" pitchFamily="49" charset="0"/>
+              </a:rPr>
+              <a:t>enqueue</a:t>
+            </a:r>
+            <a:r>
+              <a:rPr lang="en-US" altLang="ko-KR" sz="1400" dirty="0">
+                <a:latin typeface="Consolas" panose="020B0609020204030204" pitchFamily="49" charset="0"/>
+              </a:rPr>
+              <a:t>(q, 7);</a:t>
+            </a:r>
+          </a:p>
+          <a:p>
+            <a:r>
+              <a:rPr lang="en-US" altLang="ko-KR" sz="1400" dirty="0">
+                <a:latin typeface="Consolas" panose="020B0609020204030204" pitchFamily="49" charset="0"/>
+              </a:rPr>
+              <a:t>    display(q);</a:t>
+            </a:r>
+          </a:p>
+          <a:p>
+            <a:r>
+              <a:rPr lang="en-US" altLang="ko-KR" sz="1400" dirty="0">
+                <a:latin typeface="Consolas" panose="020B0609020204030204" pitchFamily="49" charset="0"/>
+              </a:rPr>
+              <a:t>    enqueue(q, 8); </a:t>
+            </a:r>
+          </a:p>
+          <a:p>
+            <a:r>
+              <a:rPr lang="en-US" altLang="ko-KR" sz="1400" dirty="0">
+                <a:latin typeface="Consolas" panose="020B0609020204030204" pitchFamily="49" charset="0"/>
+              </a:rPr>
+              <a:t>    dequeue(q);</a:t>
+            </a:r>
+          </a:p>
+          <a:p>
+            <a:r>
+              <a:rPr lang="en-US" altLang="ko-KR" sz="1400" dirty="0">
+                <a:latin typeface="Consolas" panose="020B0609020204030204" pitchFamily="49" charset="0"/>
+              </a:rPr>
+              <a:t>    dequeue(q);</a:t>
+            </a:r>
+          </a:p>
+          <a:p>
+            <a:r>
+              <a:rPr lang="en-US" altLang="ko-KR" sz="1400" dirty="0">
+                <a:latin typeface="Consolas" panose="020B0609020204030204" pitchFamily="49" charset="0"/>
+              </a:rPr>
+              <a:t>    display(q); </a:t>
+            </a:r>
+          </a:p>
+          <a:p>
+            <a:r>
+              <a:rPr lang="en-US" altLang="ko-KR" sz="1400" dirty="0">
+                <a:latin typeface="Consolas" panose="020B0609020204030204" pitchFamily="49" charset="0"/>
+              </a:rPr>
+              <a:t>    return 0;</a:t>
+            </a:r>
+          </a:p>
+          <a:p>
+            <a:r>
+              <a:rPr lang="en-US" altLang="ko-KR" sz="1400" dirty="0">
+                <a:latin typeface="Consolas" panose="020B0609020204030204" pitchFamily="49" charset="0"/>
+              </a:rPr>
+              <a:t>}</a:t>
+            </a:r>
+            <a:endParaRPr lang="ko-KR" altLang="en-US" sz="1400" dirty="0">
+              <a:latin typeface="Consolas" panose="020B0609020204030204" pitchFamily="49" charset="0"/>
+            </a:endParaRPr>
+          </a:p>
+        </p:txBody>
+      </p:sp>
+      <p:sp>
+        <p:nvSpPr>
+          <p:cNvPr id="5" name="직사각형 4">
+            <a:extLst>
+              <a:ext uri="{FF2B5EF4-FFF2-40B4-BE49-F238E27FC236}">
+                <a16:creationId xmlns:a16="http://schemas.microsoft.com/office/drawing/2014/main" id="{16557FE8-F29C-F61F-1D86-97E2377F8371}"/>
+              </a:ext>
+            </a:extLst>
+          </p:cNvPr>
+          <p:cNvSpPr/>
+          <p:nvPr/>
+        </p:nvSpPr>
+        <p:spPr>
+          <a:xfrm>
+            <a:off x="5616814" y="5242757"/>
+            <a:ext cx="6869825" cy="1815882"/>
+          </a:xfrm>
+          <a:prstGeom prst="rect">
+            <a:avLst/>
+          </a:prstGeom>
+          <a:solidFill>
+            <a:schemeClr val="bg1">
+              <a:lumMod val="85000"/>
+            </a:schemeClr>
+          </a:solidFill>
+          <a:ln>
+            <a:solidFill>
+              <a:schemeClr val="bg1">
+                <a:lumMod val="50000"/>
+              </a:schemeClr>
+            </a:solidFill>
+          </a:ln>
+        </p:spPr>
+        <p:txBody>
+          <a:bodyPr wrap="square">
+            <a:spAutoFit/>
+          </a:bodyPr>
+          <a:lstStyle/>
+          <a:p>
+            <a:r>
+              <a:rPr lang="en-US" altLang="ko-KR" sz="1600" dirty="0"/>
+              <a:t>Quiz:  </a:t>
+            </a:r>
+          </a:p>
+          <a:p>
+            <a:r>
+              <a:rPr lang="en-US" altLang="ko-KR" sz="1600"/>
+              <a:t>1. How </a:t>
+            </a:r>
+            <a:r>
+              <a:rPr lang="en-US" altLang="ko-KR" sz="1600" dirty="0"/>
+              <a:t>many failures occurred?</a:t>
+            </a:r>
+          </a:p>
+          <a:p>
+            <a:r>
+              <a:rPr lang="en-US" altLang="ko-KR" sz="1600"/>
+              <a:t>2. At </a:t>
+            </a:r>
+            <a:r>
+              <a:rPr lang="en-US" altLang="ko-KR" sz="1600" dirty="0"/>
+              <a:t>the end of running this main</a:t>
+            </a:r>
+            <a:r>
+              <a:rPr lang="en-US" altLang="ko-KR" sz="1600"/>
+              <a:t>(), </a:t>
+            </a:r>
+          </a:p>
+          <a:p>
+            <a:r>
+              <a:rPr lang="en-US" altLang="ko-KR" sz="1600"/>
+              <a:t>    (1) draw </a:t>
+            </a:r>
+            <a:r>
+              <a:rPr lang="en-US" altLang="ko-KR" sz="1600" dirty="0"/>
+              <a:t>a diagram that shows the status of queue </a:t>
+            </a:r>
+            <a:r>
+              <a:rPr lang="en-US" altLang="ko-KR" sz="1600"/>
+              <a:t>items and</a:t>
+            </a:r>
+          </a:p>
+          <a:p>
+            <a:r>
+              <a:rPr lang="en-US" altLang="ko-KR" sz="1600"/>
+              <a:t>     the </a:t>
+            </a:r>
+            <a:r>
+              <a:rPr lang="en-US" altLang="ko-KR" sz="1600" dirty="0"/>
+              <a:t>locations of front and rear.</a:t>
+            </a:r>
+            <a:r>
+              <a:rPr lang="en-US" altLang="ko-KR" sz="1600"/>
+              <a:t/>
+            </a:r>
+            <a:br>
+              <a:rPr lang="en-US" altLang="ko-KR" sz="1600"/>
+            </a:br>
+            <a:r>
+              <a:rPr lang="en-US" altLang="ko-KR" sz="1600"/>
+              <a:t>    (</a:t>
+            </a:r>
+            <a:r>
+              <a:rPr lang="en-US" altLang="ko-KR" sz="1600" dirty="0"/>
+              <a:t>2) write elements in the queue from front to </a:t>
+            </a:r>
+            <a:r>
+              <a:rPr lang="en-US" altLang="ko-KR" sz="1600"/>
+              <a:t>rear.</a:t>
+            </a:r>
+          </a:p>
+          <a:p>
+            <a:r>
+              <a:rPr lang="en-US" altLang="ko-KR" sz="1600"/>
+              <a:t>3 Debug display() function and complete assert() statement.</a:t>
+            </a:r>
+            <a:endParaRPr lang="en-US" altLang="ko-KR" sz="1600" dirty="0"/>
+          </a:p>
+        </p:txBody>
+      </p:sp>
+      <p:grpSp>
+        <p:nvGrpSpPr>
+          <p:cNvPr id="22" name="그룹 21">
+            <a:extLst>
+              <a:ext uri="{FF2B5EF4-FFF2-40B4-BE49-F238E27FC236}">
+                <a16:creationId xmlns:a16="http://schemas.microsoft.com/office/drawing/2014/main" id="{ACCFAB41-E87B-DCE3-71CC-70353061D3CF}"/>
+              </a:ext>
+            </a:extLst>
+          </p:cNvPr>
+          <p:cNvGrpSpPr/>
+          <p:nvPr/>
+        </p:nvGrpSpPr>
+        <p:grpSpPr>
+          <a:xfrm>
+            <a:off x="9351144" y="3195890"/>
+            <a:ext cx="2857500" cy="1786110"/>
+            <a:chOff x="6653519" y="4927524"/>
+            <a:chExt cx="2857500" cy="1786110"/>
+          </a:xfrm>
+        </p:grpSpPr>
+        <p:grpSp>
+          <p:nvGrpSpPr>
+            <p:cNvPr id="23" name="그룹 22">
+              <a:extLst>
+                <a:ext uri="{FF2B5EF4-FFF2-40B4-BE49-F238E27FC236}">
+                  <a16:creationId xmlns:a16="http://schemas.microsoft.com/office/drawing/2014/main" id="{34B0CF6F-95C3-500B-A6A8-EEA50D6E7741}"/>
+                </a:ext>
+              </a:extLst>
+            </p:cNvPr>
+            <p:cNvGrpSpPr/>
+            <p:nvPr/>
+          </p:nvGrpSpPr>
+          <p:grpSpPr>
+            <a:xfrm>
+              <a:off x="6653519" y="6026609"/>
+              <a:ext cx="2857500" cy="411105"/>
+              <a:chOff x="4987636" y="5868782"/>
+              <a:chExt cx="2857500" cy="571500"/>
+            </a:xfrm>
+          </p:grpSpPr>
+          <p:sp>
+            <p:nvSpPr>
+              <p:cNvPr id="32" name="직사각형 31">
+                <a:extLst>
+                  <a:ext uri="{FF2B5EF4-FFF2-40B4-BE49-F238E27FC236}">
+                    <a16:creationId xmlns:a16="http://schemas.microsoft.com/office/drawing/2014/main" id="{99F4DA70-6CCD-367B-A64F-9A3BFB42046C}"/>
+                  </a:ext>
+                </a:extLst>
+              </p:cNvPr>
+              <p:cNvSpPr/>
+              <p:nvPr/>
+            </p:nvSpPr>
+            <p:spPr>
+              <a:xfrm>
+                <a:off x="6130636" y="5868782"/>
+                <a:ext cx="571500" cy="571500"/>
+              </a:xfrm>
+              <a:prstGeom prst="rect">
+                <a:avLst/>
+              </a:prstGeom>
+              <a:solidFill>
+                <a:schemeClr val="bg1">
+                  <a:lumMod val="95000"/>
+                </a:schemeClr>
+              </a:solidFill>
+              <a:ln w="3175">
+                <a:solidFill>
+                  <a:schemeClr val="bg1">
+                    <a:lumMod val="65000"/>
+                  </a:schemeClr>
+                </a:solidFill>
+              </a:ln>
+            </p:spPr>
+            <p:style>
+              <a:lnRef idx="2">
+                <a:schemeClr val="accent1">
+                  <a:shade val="50000"/>
+                </a:schemeClr>
+              </a:lnRef>
+              <a:fillRef idx="1">
+                <a:schemeClr val="accent1"/>
+              </a:fillRef>
+              <a:effectRef idx="0">
+                <a:schemeClr val="accent1"/>
+              </a:effectRef>
+              <a:fontRef idx="minor">
+                <a:schemeClr val="lt1"/>
+              </a:fontRef>
+            </p:style>
+            <p:txBody>
+              <a:bodyPr rtlCol="0" anchor="ctr"/>
+              <a:lstStyle/>
+              <a:p>
+                <a:pPr algn="ctr"/>
+                <a:endParaRPr lang="ko-KR" altLang="en-US" sz="2000" dirty="0">
+                  <a:solidFill>
+                    <a:schemeClr val="tx1"/>
+                  </a:solidFill>
+                  <a:latin typeface="Consolas" panose="020B0609020204030204" pitchFamily="49" charset="0"/>
+                </a:endParaRPr>
+              </a:p>
+            </p:txBody>
+          </p:sp>
+          <p:sp>
+            <p:nvSpPr>
+              <p:cNvPr id="33" name="직사각형 32">
+                <a:extLst>
+                  <a:ext uri="{FF2B5EF4-FFF2-40B4-BE49-F238E27FC236}">
+                    <a16:creationId xmlns:a16="http://schemas.microsoft.com/office/drawing/2014/main" id="{AE599085-36D8-1201-46C1-37C5CC19B173}"/>
+                  </a:ext>
+                </a:extLst>
+              </p:cNvPr>
+              <p:cNvSpPr/>
+              <p:nvPr/>
+            </p:nvSpPr>
+            <p:spPr>
+              <a:xfrm>
+                <a:off x="6702136" y="5868782"/>
+                <a:ext cx="571500" cy="571500"/>
+              </a:xfrm>
+              <a:prstGeom prst="rect">
+                <a:avLst/>
+              </a:prstGeom>
+              <a:solidFill>
+                <a:schemeClr val="bg1">
+                  <a:lumMod val="95000"/>
+                </a:schemeClr>
+              </a:solidFill>
+              <a:ln w="3175">
+                <a:solidFill>
+                  <a:schemeClr val="bg1">
+                    <a:lumMod val="65000"/>
+                  </a:schemeClr>
+                </a:solidFill>
+              </a:ln>
+            </p:spPr>
+            <p:style>
+              <a:lnRef idx="2">
+                <a:schemeClr val="accent1">
+                  <a:shade val="50000"/>
+                </a:schemeClr>
+              </a:lnRef>
+              <a:fillRef idx="1">
+                <a:schemeClr val="accent1"/>
+              </a:fillRef>
+              <a:effectRef idx="0">
+                <a:schemeClr val="accent1"/>
+              </a:effectRef>
+              <a:fontRef idx="minor">
+                <a:schemeClr val="lt1"/>
+              </a:fontRef>
+            </p:style>
+            <p:txBody>
+              <a:bodyPr rtlCol="0" anchor="ctr"/>
+              <a:lstStyle/>
+              <a:p>
+                <a:pPr algn="ctr"/>
+                <a:endParaRPr lang="ko-KR" altLang="en-US" sz="2000" dirty="0">
+                  <a:solidFill>
+                    <a:schemeClr val="tx1"/>
+                  </a:solidFill>
+                  <a:latin typeface="Consolas" panose="020B0609020204030204" pitchFamily="49" charset="0"/>
+                </a:endParaRPr>
+              </a:p>
+            </p:txBody>
+          </p:sp>
+          <p:sp>
+            <p:nvSpPr>
+              <p:cNvPr id="34" name="직사각형 33">
+                <a:extLst>
+                  <a:ext uri="{FF2B5EF4-FFF2-40B4-BE49-F238E27FC236}">
+                    <a16:creationId xmlns:a16="http://schemas.microsoft.com/office/drawing/2014/main" id="{6AB5A495-B7BD-3672-2515-4B4E09FA7536}"/>
+                  </a:ext>
+                </a:extLst>
+              </p:cNvPr>
+              <p:cNvSpPr/>
+              <p:nvPr/>
+            </p:nvSpPr>
+            <p:spPr>
+              <a:xfrm>
+                <a:off x="7273636" y="5868782"/>
+                <a:ext cx="571500" cy="571500"/>
+              </a:xfrm>
+              <a:prstGeom prst="rect">
+                <a:avLst/>
+              </a:prstGeom>
+              <a:solidFill>
+                <a:schemeClr val="bg1">
+                  <a:lumMod val="95000"/>
+                </a:schemeClr>
+              </a:solidFill>
+              <a:ln w="3175">
+                <a:solidFill>
+                  <a:schemeClr val="bg1">
+                    <a:lumMod val="65000"/>
+                  </a:schemeClr>
+                </a:solidFill>
+              </a:ln>
+            </p:spPr>
+            <p:style>
+              <a:lnRef idx="2">
+                <a:schemeClr val="accent1">
+                  <a:shade val="50000"/>
+                </a:schemeClr>
+              </a:lnRef>
+              <a:fillRef idx="1">
+                <a:schemeClr val="accent1"/>
+              </a:fillRef>
+              <a:effectRef idx="0">
+                <a:schemeClr val="accent1"/>
+              </a:effectRef>
+              <a:fontRef idx="minor">
+                <a:schemeClr val="lt1"/>
+              </a:fontRef>
+            </p:style>
+            <p:txBody>
+              <a:bodyPr rtlCol="0" anchor="ctr"/>
+              <a:lstStyle/>
+              <a:p>
+                <a:pPr algn="ctr"/>
+                <a:endParaRPr lang="ko-KR" altLang="en-US" sz="2000" dirty="0">
+                  <a:solidFill>
+                    <a:schemeClr val="tx1"/>
+                  </a:solidFill>
+                  <a:latin typeface="Consolas" panose="020B0609020204030204" pitchFamily="49" charset="0"/>
+                </a:endParaRPr>
+              </a:p>
+            </p:txBody>
+          </p:sp>
+          <p:sp>
+            <p:nvSpPr>
+              <p:cNvPr id="35" name="직사각형 34">
+                <a:extLst>
+                  <a:ext uri="{FF2B5EF4-FFF2-40B4-BE49-F238E27FC236}">
+                    <a16:creationId xmlns:a16="http://schemas.microsoft.com/office/drawing/2014/main" id="{D03BE221-B6E4-5D8C-1CA7-B15839063C4C}"/>
+                  </a:ext>
+                </a:extLst>
+              </p:cNvPr>
+              <p:cNvSpPr/>
+              <p:nvPr/>
+            </p:nvSpPr>
+            <p:spPr>
+              <a:xfrm>
+                <a:off x="4987636" y="5868782"/>
+                <a:ext cx="571500" cy="571500"/>
+              </a:xfrm>
+              <a:prstGeom prst="rect">
+                <a:avLst/>
+              </a:prstGeom>
+              <a:solidFill>
+                <a:schemeClr val="bg1">
+                  <a:lumMod val="95000"/>
+                </a:schemeClr>
+              </a:solidFill>
+              <a:ln w="3175">
+                <a:solidFill>
+                  <a:schemeClr val="bg1">
+                    <a:lumMod val="65000"/>
+                  </a:schemeClr>
+                </a:solidFill>
+              </a:ln>
+            </p:spPr>
+            <p:style>
+              <a:lnRef idx="2">
+                <a:schemeClr val="accent1">
+                  <a:shade val="50000"/>
+                </a:schemeClr>
+              </a:lnRef>
+              <a:fillRef idx="1">
+                <a:schemeClr val="accent1"/>
+              </a:fillRef>
+              <a:effectRef idx="0">
+                <a:schemeClr val="accent1"/>
+              </a:effectRef>
+              <a:fontRef idx="minor">
+                <a:schemeClr val="lt1"/>
+              </a:fontRef>
+            </p:style>
+            <p:txBody>
+              <a:bodyPr rtlCol="0" anchor="ctr"/>
+              <a:lstStyle/>
+              <a:p>
+                <a:pPr algn="ctr"/>
+                <a:endParaRPr lang="ko-KR" altLang="en-US" sz="2000" dirty="0">
+                  <a:solidFill>
+                    <a:srgbClr val="C00000"/>
+                  </a:solidFill>
+                  <a:latin typeface="Consolas" panose="020B0609020204030204" pitchFamily="49" charset="0"/>
+                </a:endParaRPr>
+              </a:p>
+            </p:txBody>
+          </p:sp>
+          <p:sp>
+            <p:nvSpPr>
+              <p:cNvPr id="36" name="직사각형 35">
+                <a:extLst>
+                  <a:ext uri="{FF2B5EF4-FFF2-40B4-BE49-F238E27FC236}">
+                    <a16:creationId xmlns:a16="http://schemas.microsoft.com/office/drawing/2014/main" id="{4FE503EF-6280-D4AF-717C-46859079ECD1}"/>
+                  </a:ext>
+                </a:extLst>
+              </p:cNvPr>
+              <p:cNvSpPr/>
+              <p:nvPr/>
+            </p:nvSpPr>
+            <p:spPr>
+              <a:xfrm>
+                <a:off x="5559136" y="5868782"/>
+                <a:ext cx="571500" cy="571500"/>
+              </a:xfrm>
+              <a:prstGeom prst="rect">
+                <a:avLst/>
+              </a:prstGeom>
+              <a:solidFill>
+                <a:schemeClr val="bg1">
+                  <a:lumMod val="95000"/>
+                </a:schemeClr>
+              </a:solidFill>
+              <a:ln w="3175">
+                <a:solidFill>
+                  <a:schemeClr val="bg1">
+                    <a:lumMod val="65000"/>
+                  </a:schemeClr>
+                </a:solidFill>
+              </a:ln>
+            </p:spPr>
+            <p:style>
+              <a:lnRef idx="2">
+                <a:schemeClr val="accent1">
+                  <a:shade val="50000"/>
+                </a:schemeClr>
+              </a:lnRef>
+              <a:fillRef idx="1">
+                <a:schemeClr val="accent1"/>
+              </a:fillRef>
+              <a:effectRef idx="0">
+                <a:schemeClr val="accent1"/>
+              </a:effectRef>
+              <a:fontRef idx="minor">
+                <a:schemeClr val="lt1"/>
+              </a:fontRef>
+            </p:style>
+            <p:txBody>
+              <a:bodyPr rtlCol="0" anchor="ctr"/>
+              <a:lstStyle/>
+              <a:p>
+                <a:pPr algn="ctr"/>
+                <a:endParaRPr lang="ko-KR" altLang="en-US" sz="2000" dirty="0">
+                  <a:solidFill>
+                    <a:schemeClr val="tx1"/>
+                  </a:solidFill>
+                  <a:latin typeface="Consolas" panose="020B0609020204030204" pitchFamily="49" charset="0"/>
+                </a:endParaRPr>
+              </a:p>
+            </p:txBody>
+          </p:sp>
+        </p:grpSp>
+        <p:sp>
+          <p:nvSpPr>
+            <p:cNvPr id="24" name="직사각형 23">
+              <a:extLst>
+                <a:ext uri="{FF2B5EF4-FFF2-40B4-BE49-F238E27FC236}">
+                  <a16:creationId xmlns:a16="http://schemas.microsoft.com/office/drawing/2014/main" id="{4E2D9C5E-134B-B875-044F-CAEF5F779A0C}"/>
+                </a:ext>
+              </a:extLst>
+            </p:cNvPr>
+            <p:cNvSpPr/>
+            <p:nvPr/>
+          </p:nvSpPr>
+          <p:spPr>
+            <a:xfrm>
+              <a:off x="7623555" y="4927524"/>
               <a:ext cx="582211" cy="307777"/>
             </a:xfrm>
             <a:prstGeom prst="rect">
@@ -5258,7 +6373,11 @@
           <a:p>
             <a:r>
               <a:rPr lang="en-US" altLang="ko-KR" sz="1600"/>
-              <a:t>3 Debug display() function and complete assert() statement.</a:t>
+              <a:t>3 Debug display() </a:t>
+            </a:r>
+            <a:r>
+              <a:rPr lang="en-US" altLang="ko-KR" sz="1600" smtClean="0"/>
+              <a:t>function.</a:t>
             </a:r>
             <a:endParaRPr lang="en-US" altLang="ko-KR" sz="1600" dirty="0"/>
           </a:p>
@@ -5457,7 +6576,7 @@
     </p:spTree>
     <p:extLst>
       <p:ext uri="{BB962C8B-B14F-4D97-AF65-F5344CB8AC3E}">
-        <p14:creationId xmlns:p14="http://schemas.microsoft.com/office/powerpoint/2010/main" val="2985154701"/>
+        <p14:creationId xmlns:p14="http://schemas.microsoft.com/office/powerpoint/2010/main" val="575835543"/>
       </p:ext>
     </p:extLst>
   </p:cSld>

--- a/ppts/3-2.1_Queue Quiz.pptx
+++ b/ppts/3-2.1_Queue Quiz.pptx
@@ -12,7 +12,7 @@
   </p:handoutMasterIdLst>
   <p:sldIdLst>
     <p:sldId id="739" r:id="rId2"/>
-    <p:sldId id="740" r:id="rId3"/>
+    <p:sldId id="741" r:id="rId3"/>
   </p:sldIdLst>
   <p:sldSz cx="13004800" cy="7315200"/>
   <p:notesSz cx="6858000" cy="9144000"/>
@@ -430,7 +430,7 @@
           <a:p>
             <a:fld id="{A9ADF8C7-AEDF-43D6-9DAF-DECAC1AD2E30}" type="datetimeFigureOut">
               <a:rPr lang="ko-KR" altLang="en-US" smtClean="0"/>
-              <a:t>2023-10-04</a:t>
+              <a:t>2023-10-05</a:t>
             </a:fld>
             <a:endParaRPr lang="ko-KR" altLang="en-US"/>
           </a:p>
@@ -798,7 +798,7 @@
     </p:spTree>
     <p:extLst>
       <p:ext uri="{BB962C8B-B14F-4D97-AF65-F5344CB8AC3E}">
-        <p14:creationId xmlns:p14="http://schemas.microsoft.com/office/powerpoint/2010/main" val="65665561"/>
+        <p14:creationId xmlns:p14="http://schemas.microsoft.com/office/powerpoint/2010/main" val="739867443"/>
       </p:ext>
     </p:extLst>
   </p:cSld>
@@ -1472,7 +1472,7 @@
           </a:ln>
           <a:extLst>
             <a:ext uri="{C572A759-6A51-4108-AA02-DFA0A04FC94B}">
-              <ma14:wrappingTextBoxFlag xmlns="" xmlns:ma14="http://schemas.microsoft.com/office/mac/drawingml/2011/main" val="1"/>
+              <ma14:wrappingTextBoxFlag xmlns:ma14="http://schemas.microsoft.com/office/mac/drawingml/2011/main" xmlns="" val="1"/>
             </a:ext>
           </a:extLst>
         </p:spPr>
@@ -3511,7 +3511,7 @@
           <a:p>
             <a:fld id="{AC778754-33AA-481A-B885-58843B94B2EC}" type="datetime1">
               <a:rPr lang="ko-KR" altLang="en-US" smtClean="0"/>
-              <a:t>2023-10-04</a:t>
+              <a:t>2023-10-05</a:t>
             </a:fld>
             <a:endParaRPr lang="ko-KR" altLang="en-US" dirty="0"/>
           </a:p>
@@ -4121,7 +4121,7 @@
               <a:rPr lang="en-US" altLang="ko-KR" sz="1400" smtClean="0">
                 <a:latin typeface="Consolas" panose="020B0609020204030204" pitchFamily="49" charset="0"/>
               </a:rPr>
-              <a:t>newQueue();</a:t>
+              <a:t>newQueue(5);</a:t>
             </a:r>
             <a:endParaRPr lang="en-US" altLang="ko-KR" sz="1400" dirty="0">
               <a:latin typeface="Consolas" panose="020B0609020204030204" pitchFamily="49" charset="0"/>
@@ -4138,13 +4138,7 @@
               <a:rPr lang="en-US" altLang="ko-KR" sz="1400" smtClean="0">
                 <a:latin typeface="Consolas" panose="020B0609020204030204" pitchFamily="49" charset="0"/>
               </a:rPr>
-              <a:t>   </a:t>
-            </a:r>
-            <a:r>
-              <a:rPr lang="en-US" altLang="ko-KR" sz="1400" smtClean="0">
-                <a:latin typeface="Consolas" panose="020B0609020204030204" pitchFamily="49" charset="0"/>
-              </a:rPr>
-              <a:t>enqueue(q, 12);</a:t>
+              <a:t>   enqueue(q, 12);</a:t>
             </a:r>
             <a:endParaRPr lang="en-US" altLang="ko-KR" sz="1400" dirty="0">
               <a:latin typeface="Consolas" panose="020B0609020204030204" pitchFamily="49" charset="0"/>
@@ -5000,13 +4994,7 @@
               <a:rPr lang="en-US" altLang="ko-KR" sz="1600">
                 <a:cs typeface="Times New Roman"/>
               </a:rPr>
-              <a:t>executing </a:t>
-            </a:r>
-            <a:r>
-              <a:rPr lang="en-US" altLang="ko-KR" sz="1600">
-                <a:cs typeface="Times New Roman"/>
-              </a:rPr>
-              <a:t>the </a:t>
+              <a:t>executing the </a:t>
             </a:r>
             <a:r>
               <a:rPr lang="en-US" altLang="ko-KR" sz="1600" smtClean="0">
@@ -5080,8 +5068,8 @@
           <a:lstStyle/>
           <a:p>
             <a:r>
-              <a:rPr lang="en-US" altLang="ko-KR" smtClean="0"/>
-              <a:t>Circular Queue 2</a:t>
+              <a:rPr lang="en-US" altLang="ko-KR" dirty="0"/>
+              <a:t>Queue Variations: Circular Queue</a:t>
             </a:r>
             <a:endParaRPr lang="ko-KR" altLang="en-US" dirty="0"/>
           </a:p>
@@ -5156,20 +5144,23 @@
               <a:rPr lang="en-US" altLang="ko-KR" sz="1400" dirty="0">
                 <a:latin typeface="Consolas" panose="020B0609020204030204" pitchFamily="49" charset="0"/>
               </a:rPr>
-              <a:t>    queue q = </a:t>
-            </a:r>
-            <a:r>
-              <a:rPr lang="en-US" altLang="ko-KR" sz="1400" dirty="0" err="1">
-                <a:latin typeface="Consolas" panose="020B0609020204030204" pitchFamily="49" charset="0"/>
-              </a:rPr>
-              <a:t>newQueue</a:t>
-            </a:r>
-            <a:r>
-              <a:rPr lang="en-US" altLang="ko-KR" sz="1400" dirty="0">
-                <a:latin typeface="Consolas" panose="020B0609020204030204" pitchFamily="49" charset="0"/>
-              </a:rPr>
-              <a:t>();</a:t>
-            </a:r>
+              <a:t>    queue q </a:t>
+            </a:r>
+            <a:r>
+              <a:rPr lang="en-US" altLang="ko-KR" sz="1400">
+                <a:latin typeface="Consolas" panose="020B0609020204030204" pitchFamily="49" charset="0"/>
+              </a:rPr>
+              <a:t>= </a:t>
+            </a:r>
+            <a:r>
+              <a:rPr lang="en-US" altLang="ko-KR" sz="1400" smtClean="0">
+                <a:latin typeface="Consolas" panose="020B0609020204030204" pitchFamily="49" charset="0"/>
+              </a:rPr>
+              <a:t>newQueue(5);</a:t>
+            </a:r>
+            <a:endParaRPr lang="en-US" altLang="ko-KR" sz="1400" dirty="0">
+              <a:latin typeface="Consolas" panose="020B0609020204030204" pitchFamily="49" charset="0"/>
+            </a:endParaRPr>
           </a:p>
           <a:p>
             <a:r>
@@ -5453,158 +5444,26 @@
             <a:endParaRPr lang="ko-KR" altLang="en-US" sz="1400" dirty="0">
               <a:latin typeface="Consolas" panose="020B0609020204030204" pitchFamily="49" charset="0"/>
             </a:endParaRPr>
-          </a:p>
-        </p:txBody>
-      </p:sp>
-      <p:sp>
-        <p:nvSpPr>
-          <p:cNvPr id="5" name="직사각형 4">
-            <a:extLst>
-              <a:ext uri="{FF2B5EF4-FFF2-40B4-BE49-F238E27FC236}">
-                <a16:creationId xmlns:a16="http://schemas.microsoft.com/office/drawing/2014/main" id="{16557FE8-F29C-F61F-1D86-97E2377F8371}"/>
-              </a:ext>
-            </a:extLst>
-          </p:cNvPr>
-          <p:cNvSpPr/>
-          <p:nvPr/>
-        </p:nvSpPr>
-        <p:spPr>
-          <a:xfrm>
-            <a:off x="5616814" y="5242757"/>
-            <a:ext cx="6869825" cy="1815882"/>
-          </a:xfrm>
-          <a:prstGeom prst="rect">
-            <a:avLst/>
-          </a:prstGeom>
-          <a:solidFill>
-            <a:schemeClr val="bg1">
-              <a:lumMod val="85000"/>
-            </a:schemeClr>
-          </a:solidFill>
-          <a:ln>
-            <a:solidFill>
-              <a:schemeClr val="bg1">
-                <a:lumMod val="50000"/>
-              </a:schemeClr>
-            </a:solidFill>
-          </a:ln>
-        </p:spPr>
-        <p:txBody>
-          <a:bodyPr wrap="square">
-            <a:spAutoFit/>
-          </a:bodyPr>
-          <a:lstStyle/>
-          <a:p>
-            <a:r>
-              <a:rPr lang="en-US" altLang="ko-KR" sz="1600" dirty="0"/>
-              <a:t>Quiz:  </a:t>
-            </a:r>
-          </a:p>
-          <a:p>
-            <a:r>
-              <a:rPr lang="en-US" altLang="ko-KR" sz="1600"/>
-              <a:t>1. How </a:t>
-            </a:r>
-            <a:r>
-              <a:rPr lang="en-US" altLang="ko-KR" sz="1600" dirty="0"/>
-              <a:t>many failures occurred?</a:t>
-            </a:r>
-          </a:p>
-          <a:p>
-            <a:r>
-              <a:rPr lang="en-US" altLang="ko-KR" sz="1600"/>
-              <a:t>2. At </a:t>
-            </a:r>
-            <a:r>
-              <a:rPr lang="en-US" altLang="ko-KR" sz="1600" dirty="0"/>
-              <a:t>the end of running this main</a:t>
-            </a:r>
-            <a:r>
-              <a:rPr lang="en-US" altLang="ko-KR" sz="1600"/>
-              <a:t>(), </a:t>
-            </a:r>
-          </a:p>
-          <a:p>
-            <a:r>
-              <a:rPr lang="en-US" altLang="ko-KR" sz="1600"/>
-              <a:t>    (1) draw </a:t>
-            </a:r>
-            <a:r>
-              <a:rPr lang="en-US" altLang="ko-KR" sz="1600" dirty="0"/>
-              <a:t>a diagram that shows the status of queue </a:t>
-            </a:r>
-            <a:r>
-              <a:rPr lang="en-US" altLang="ko-KR" sz="1600"/>
-              <a:t>items and</a:t>
-            </a:r>
-          </a:p>
-          <a:p>
-            <a:r>
-              <a:rPr lang="en-US" altLang="ko-KR" sz="1600"/>
-              <a:t>     the </a:t>
-            </a:r>
-            <a:r>
-              <a:rPr lang="en-US" altLang="ko-KR" sz="1600" dirty="0"/>
-              <a:t>locations of front and rear.</a:t>
-            </a:r>
-            <a:r>
-              <a:rPr lang="en-US" altLang="ko-KR" sz="1600"/>
-              <a:t/>
-            </a:r>
-            <a:br>
-              <a:rPr lang="en-US" altLang="ko-KR" sz="1600"/>
-            </a:br>
-            <a:r>
-              <a:rPr lang="en-US" altLang="ko-KR" sz="1600"/>
-              <a:t>    (</a:t>
-            </a:r>
-            <a:r>
-              <a:rPr lang="en-US" altLang="ko-KR" sz="1600" dirty="0"/>
-              <a:t>2) write elements in the queue from front to </a:t>
-            </a:r>
-            <a:r>
-              <a:rPr lang="en-US" altLang="ko-KR" sz="1600"/>
-              <a:t>rear.</a:t>
-            </a:r>
-          </a:p>
-          <a:p>
-            <a:r>
-              <a:rPr lang="en-US" altLang="ko-KR" sz="1600"/>
-              <a:t>3 Debug display() function and complete assert() statement.</a:t>
-            </a:r>
-            <a:endParaRPr lang="en-US" altLang="ko-KR" sz="1600" dirty="0"/>
           </a:p>
         </p:txBody>
       </p:sp>
       <p:grpSp>
         <p:nvGrpSpPr>
-          <p:cNvPr id="22" name="그룹 21">
-            <a:extLst>
-              <a:ext uri="{FF2B5EF4-FFF2-40B4-BE49-F238E27FC236}">
-                <a16:creationId xmlns:a16="http://schemas.microsoft.com/office/drawing/2014/main" id="{ACCFAB41-E87B-DCE3-71CC-70353061D3CF}"/>
-              </a:ext>
-            </a:extLst>
-          </p:cNvPr>
+          <p:cNvPr id="6" name="그룹 5"/>
           <p:cNvGrpSpPr/>
           <p:nvPr/>
         </p:nvGrpSpPr>
         <p:grpSpPr>
           <a:xfrm>
-            <a:off x="9351144" y="3195890"/>
-            <a:ext cx="2857500" cy="1786110"/>
-            <a:chOff x="6653519" y="4927524"/>
-            <a:chExt cx="2857500" cy="1786110"/>
+            <a:off x="9351144" y="3278894"/>
+            <a:ext cx="2857500" cy="1703106"/>
+            <a:chOff x="6653519" y="5010528"/>
+            <a:chExt cx="2857500" cy="1703106"/>
           </a:xfrm>
         </p:grpSpPr>
         <p:grpSp>
           <p:nvGrpSpPr>
-            <p:cNvPr id="23" name="그룹 22">
-              <a:extLst>
-                <a:ext uri="{FF2B5EF4-FFF2-40B4-BE49-F238E27FC236}">
-                  <a16:creationId xmlns:a16="http://schemas.microsoft.com/office/drawing/2014/main" id="{34B0CF6F-95C3-500B-A6A8-EEA50D6E7741}"/>
-                </a:ext>
-              </a:extLst>
-            </p:cNvPr>
+            <p:cNvPr id="7" name="그룹 6"/>
             <p:cNvGrpSpPr/>
             <p:nvPr/>
           </p:nvGrpSpPr>
@@ -5618,13 +5477,7 @@
           </p:grpSpPr>
           <p:sp>
             <p:nvSpPr>
-              <p:cNvPr id="32" name="직사각형 31">
-                <a:extLst>
-                  <a:ext uri="{FF2B5EF4-FFF2-40B4-BE49-F238E27FC236}">
-                    <a16:creationId xmlns:a16="http://schemas.microsoft.com/office/drawing/2014/main" id="{99F4DA70-6CCD-367B-A64F-9A3BFB42046C}"/>
-                  </a:ext>
-                </a:extLst>
-              </p:cNvPr>
+              <p:cNvPr id="17" name="직사각형 16"/>
               <p:cNvSpPr/>
               <p:nvPr/>
             </p:nvSpPr>
@@ -5681,13 +5534,7 @@
           </p:sp>
           <p:sp>
             <p:nvSpPr>
-              <p:cNvPr id="33" name="직사각형 32">
-                <a:extLst>
-                  <a:ext uri="{FF2B5EF4-FFF2-40B4-BE49-F238E27FC236}">
-                    <a16:creationId xmlns:a16="http://schemas.microsoft.com/office/drawing/2014/main" id="{AE599085-36D8-1201-46C1-37C5CC19B173}"/>
-                  </a:ext>
-                </a:extLst>
-              </p:cNvPr>
+              <p:cNvPr id="18" name="직사각형 17"/>
               <p:cNvSpPr/>
               <p:nvPr/>
             </p:nvSpPr>
@@ -5744,13 +5591,7 @@
           </p:sp>
           <p:sp>
             <p:nvSpPr>
-              <p:cNvPr id="34" name="직사각형 33">
-                <a:extLst>
-                  <a:ext uri="{FF2B5EF4-FFF2-40B4-BE49-F238E27FC236}">
-                    <a16:creationId xmlns:a16="http://schemas.microsoft.com/office/drawing/2014/main" id="{6AB5A495-B7BD-3672-2515-4B4E09FA7536}"/>
-                  </a:ext>
-                </a:extLst>
-              </p:cNvPr>
+              <p:cNvPr id="19" name="직사각형 18"/>
               <p:cNvSpPr/>
               <p:nvPr/>
             </p:nvSpPr>
@@ -5807,13 +5648,7 @@
           </p:sp>
           <p:sp>
             <p:nvSpPr>
-              <p:cNvPr id="35" name="직사각형 34">
-                <a:extLst>
-                  <a:ext uri="{FF2B5EF4-FFF2-40B4-BE49-F238E27FC236}">
-                    <a16:creationId xmlns:a16="http://schemas.microsoft.com/office/drawing/2014/main" id="{D03BE221-B6E4-5D8C-1CA7-B15839063C4C}"/>
-                  </a:ext>
-                </a:extLst>
-              </p:cNvPr>
+              <p:cNvPr id="20" name="직사각형 19"/>
               <p:cNvSpPr/>
               <p:nvPr/>
             </p:nvSpPr>
@@ -5870,13 +5705,7 @@
           </p:sp>
           <p:sp>
             <p:nvSpPr>
-              <p:cNvPr id="36" name="직사각형 35">
-                <a:extLst>
-                  <a:ext uri="{FF2B5EF4-FFF2-40B4-BE49-F238E27FC236}">
-                    <a16:creationId xmlns:a16="http://schemas.microsoft.com/office/drawing/2014/main" id="{4FE503EF-6280-D4AF-717C-46859079ECD1}"/>
-                  </a:ext>
-                </a:extLst>
-              </p:cNvPr>
+              <p:cNvPr id="21" name="직사각형 20"/>
               <p:cNvSpPr/>
               <p:nvPr/>
             </p:nvSpPr>
@@ -5934,19 +5763,13 @@
         </p:grpSp>
         <p:sp>
           <p:nvSpPr>
-            <p:cNvPr id="24" name="직사각형 23">
-              <a:extLst>
-                <a:ext uri="{FF2B5EF4-FFF2-40B4-BE49-F238E27FC236}">
-                  <a16:creationId xmlns:a16="http://schemas.microsoft.com/office/drawing/2014/main" id="{4E2D9C5E-134B-B875-044F-CAEF5F779A0C}"/>
-                </a:ext>
-              </a:extLst>
-            </p:cNvPr>
+            <p:cNvPr id="8" name="직사각형 7"/>
             <p:cNvSpPr/>
             <p:nvPr/>
           </p:nvSpPr>
           <p:spPr>
             <a:xfrm>
-              <a:off x="7623555" y="4927524"/>
+              <a:off x="7599509" y="5010528"/>
               <a:ext cx="582211" cy="307777"/>
             </a:xfrm>
             <a:prstGeom prst="rect">
@@ -5978,13 +5801,7 @@
         </p:sp>
         <p:sp>
           <p:nvSpPr>
-            <p:cNvPr id="25" name="직사각형 24">
-              <a:extLst>
-                <a:ext uri="{FF2B5EF4-FFF2-40B4-BE49-F238E27FC236}">
-                  <a16:creationId xmlns:a16="http://schemas.microsoft.com/office/drawing/2014/main" id="{2078095D-4889-FA49-C108-EC73DA1393DA}"/>
-                </a:ext>
-              </a:extLst>
-            </p:cNvPr>
+            <p:cNvPr id="10" name="직사각형 9"/>
             <p:cNvSpPr/>
             <p:nvPr/>
           </p:nvSpPr>
@@ -6022,13 +5839,7 @@
         </p:sp>
         <p:sp>
           <p:nvSpPr>
-            <p:cNvPr id="26" name="직사각형 25">
-              <a:extLst>
-                <a:ext uri="{FF2B5EF4-FFF2-40B4-BE49-F238E27FC236}">
-                  <a16:creationId xmlns:a16="http://schemas.microsoft.com/office/drawing/2014/main" id="{82B71821-2E8F-5983-C227-B40C26721EF9}"/>
-                </a:ext>
-              </a:extLst>
-            </p:cNvPr>
+            <p:cNvPr id="11" name="직사각형 10"/>
             <p:cNvSpPr/>
             <p:nvPr/>
           </p:nvSpPr>
@@ -6057,13 +5868,7 @@
         </p:sp>
         <p:sp>
           <p:nvSpPr>
-            <p:cNvPr id="27" name="직사각형 26">
-              <a:extLst>
-                <a:ext uri="{FF2B5EF4-FFF2-40B4-BE49-F238E27FC236}">
-                  <a16:creationId xmlns:a16="http://schemas.microsoft.com/office/drawing/2014/main" id="{1F12FCCC-917D-3706-1FA0-476AC51D84A1}"/>
-                </a:ext>
-              </a:extLst>
-            </p:cNvPr>
+            <p:cNvPr id="12" name="직사각형 11"/>
             <p:cNvSpPr/>
             <p:nvPr/>
           </p:nvSpPr>
@@ -6096,13 +5901,7 @@
         </p:sp>
         <p:sp>
           <p:nvSpPr>
-            <p:cNvPr id="28" name="직사각형 27">
-              <a:extLst>
-                <a:ext uri="{FF2B5EF4-FFF2-40B4-BE49-F238E27FC236}">
-                  <a16:creationId xmlns:a16="http://schemas.microsoft.com/office/drawing/2014/main" id="{12780C4E-14E6-881E-ABFD-4668FE2E86BC}"/>
-                </a:ext>
-              </a:extLst>
-            </p:cNvPr>
+            <p:cNvPr id="13" name="직사각형 12"/>
             <p:cNvSpPr/>
             <p:nvPr/>
           </p:nvSpPr>
@@ -6135,13 +5934,7 @@
         </p:sp>
         <p:sp>
           <p:nvSpPr>
-            <p:cNvPr id="29" name="직사각형 28">
-              <a:extLst>
-                <a:ext uri="{FF2B5EF4-FFF2-40B4-BE49-F238E27FC236}">
-                  <a16:creationId xmlns:a16="http://schemas.microsoft.com/office/drawing/2014/main" id="{35018EEB-1BE3-FE86-6EFA-B6A5072DF88B}"/>
-                </a:ext>
-              </a:extLst>
-            </p:cNvPr>
+            <p:cNvPr id="14" name="직사각형 13"/>
             <p:cNvSpPr/>
             <p:nvPr/>
           </p:nvSpPr>
@@ -6174,13 +5967,7 @@
         </p:sp>
         <p:sp>
           <p:nvSpPr>
-            <p:cNvPr id="30" name="직사각형 29">
-              <a:extLst>
-                <a:ext uri="{FF2B5EF4-FFF2-40B4-BE49-F238E27FC236}">
-                  <a16:creationId xmlns:a16="http://schemas.microsoft.com/office/drawing/2014/main" id="{4EF48B8C-1641-B87B-4623-4FDBB633C831}"/>
-                </a:ext>
-              </a:extLst>
-            </p:cNvPr>
+            <p:cNvPr id="15" name="직사각형 14"/>
             <p:cNvSpPr/>
             <p:nvPr/>
           </p:nvSpPr>
@@ -6213,13 +6000,7 @@
         </p:sp>
         <p:sp>
           <p:nvSpPr>
-            <p:cNvPr id="31" name="직사각형 30">
-              <a:extLst>
-                <a:ext uri="{FF2B5EF4-FFF2-40B4-BE49-F238E27FC236}">
-                  <a16:creationId xmlns:a16="http://schemas.microsoft.com/office/drawing/2014/main" id="{FEE5D07C-6C1B-D675-0EB8-C08E01271007}"/>
-                </a:ext>
-              </a:extLst>
-            </p:cNvPr>
+            <p:cNvPr id="16" name="직사각형 15"/>
             <p:cNvSpPr/>
             <p:nvPr/>
           </p:nvSpPr>
@@ -6253,10 +6034,10 @@
       </p:grpSp>
       <p:sp>
         <p:nvSpPr>
-          <p:cNvPr id="37" name="직사각형 36">
+          <p:cNvPr id="5" name="직사각형 4">
             <a:extLst>
               <a:ext uri="{FF2B5EF4-FFF2-40B4-BE49-F238E27FC236}">
-                <a16:creationId xmlns:a16="http://schemas.microsoft.com/office/drawing/2014/main" id="{F366E3AF-39B2-77CE-C3CB-DE72FD480B5F}"/>
+                <a16:creationId xmlns:a16="http://schemas.microsoft.com/office/drawing/2014/main" id="{7B4D6023-4343-60BE-47CB-C3011EE35FFB}"/>
               </a:ext>
             </a:extLst>
           </p:cNvPr>
@@ -6265,8 +6046,8 @@
         </p:nvSpPr>
         <p:spPr>
           <a:xfrm>
-            <a:off x="5616814" y="5242757"/>
-            <a:ext cx="6869825" cy="1815882"/>
+            <a:off x="4373591" y="5449433"/>
+            <a:ext cx="8113048" cy="1569660"/>
           </a:xfrm>
           <a:prstGeom prst="rect">
             <a:avLst/>
@@ -6290,25 +6071,31 @@
           </a:bodyPr>
           <a:lstStyle/>
           <a:p>
-            <a:r>
-              <a:rPr lang="en-US" altLang="ko-KR" sz="1600" dirty="0"/>
-              <a:t>Quiz:  </a:t>
-            </a:r>
-          </a:p>
-          <a:p>
+            <a:pPr marL="342900" indent="-342900">
+              <a:buFont typeface="+mj-lt"/>
+              <a:buAutoNum type="arabicPeriod"/>
+            </a:pPr>
+            <a:r>
+              <a:rPr lang="en-US" altLang="ko-KR" sz="1600" smtClean="0"/>
+              <a:t>How </a:t>
+            </a:r>
             <a:r>
               <a:rPr lang="en-US" altLang="ko-KR" sz="1600"/>
-              <a:t>1. How </a:t>
-            </a:r>
-            <a:r>
-              <a:rPr lang="en-US" altLang="ko-KR" sz="1600" dirty="0"/>
-              <a:t>many failures occurred?</a:t>
-            </a:r>
-          </a:p>
-          <a:p>
-            <a:r>
-              <a:rPr lang="en-US" altLang="ko-KR" sz="1600"/>
-              <a:t>2. At </a:t>
+              <a:t>many </a:t>
+            </a:r>
+            <a:r>
+              <a:rPr lang="en-US" altLang="ko-KR" sz="1600" smtClean="0"/>
+              <a:t>failures of enqueuing and dequeuing an element occurred? </a:t>
+            </a:r>
+          </a:p>
+          <a:p>
+            <a:pPr marL="342900" indent="-342900">
+              <a:buFont typeface="+mj-lt"/>
+              <a:buAutoNum type="arabicPeriod"/>
+            </a:pPr>
+            <a:r>
+              <a:rPr lang="en-US" altLang="ko-KR" sz="1600" smtClean="0"/>
+              <a:t>At </a:t>
             </a:r>
             <a:r>
               <a:rPr lang="en-US" altLang="ko-KR" sz="1600" dirty="0"/>
@@ -6318,11 +6105,9 @@
               <a:rPr lang="en-US" altLang="ko-KR" sz="1600"/>
               <a:t>(), </a:t>
             </a:r>
-          </a:p>
-          <a:p>
-            <a:r>
-              <a:rPr lang="en-US" altLang="ko-KR" sz="1600"/>
-              <a:t>    (1) draw </a:t>
+            <a:r>
+              <a:rPr lang="en-US" altLang="ko-KR" sz="1600" smtClean="0"/>
+              <a:t>draw </a:t>
             </a:r>
             <a:r>
               <a:rPr lang="en-US" altLang="ko-KR" sz="1600" dirty="0"/>
@@ -6330,13 +6115,11 @@
             </a:r>
             <a:r>
               <a:rPr lang="en-US" altLang="ko-KR" sz="1600"/>
-              <a:t>items and</a:t>
-            </a:r>
-          </a:p>
-          <a:p>
-            <a:r>
-              <a:rPr lang="en-US" altLang="ko-KR" sz="1600"/>
-              <a:t>     the </a:t>
+              <a:t>items </a:t>
+            </a:r>
+            <a:r>
+              <a:rPr lang="en-US" altLang="ko-KR" sz="1600" smtClean="0"/>
+              <a:t>and the </a:t>
             </a:r>
             <a:r>
               <a:rPr lang="en-US" altLang="ko-KR" sz="1600" dirty="0"/>
@@ -6348,36 +6131,55 @@
                   <a:srgbClr val="C00000"/>
                 </a:solidFill>
               </a:rPr>
-              <a:t>front and rear.</a:t>
+              <a:t>front </a:t>
+            </a:r>
+            <a:r>
+              <a:rPr lang="en-US" altLang="ko-KR" sz="1600">
+                <a:solidFill>
+                  <a:srgbClr val="C00000"/>
+                </a:solidFill>
+              </a:rPr>
+              <a:t>and </a:t>
+            </a:r>
+            <a:r>
+              <a:rPr lang="en-US" altLang="ko-KR" sz="1600" smtClean="0">
+                <a:solidFill>
+                  <a:srgbClr val="C00000"/>
+                </a:solidFill>
+              </a:rPr>
+              <a:t>rear. </a:t>
+            </a:r>
+          </a:p>
+          <a:p>
+            <a:pPr marL="342900" indent="-342900">
+              <a:buFont typeface="+mj-lt"/>
+              <a:buAutoNum type="arabicPeriod"/>
+            </a:pPr>
+            <a:r>
+              <a:rPr lang="en-US" altLang="ko-KR" sz="1600" smtClean="0"/>
+              <a:t>Complete the Circular Queue program. </a:t>
+            </a:r>
+          </a:p>
+          <a:p>
+            <a:pPr lvl="1" indent="0"/>
+            <a:r>
+              <a:rPr lang="en-US" altLang="ko-KR" sz="1600" smtClean="0"/>
+              <a:t>      - Debug </a:t>
             </a:r>
             <a:r>
               <a:rPr lang="en-US" altLang="ko-KR" sz="1600"/>
-              <a:t/>
-            </a:r>
-            <a:br>
-              <a:rPr lang="en-US" altLang="ko-KR" sz="1600"/>
-            </a:br>
-            <a:r>
-              <a:rPr lang="en-US" altLang="ko-KR" sz="1600"/>
-              <a:t>    (</a:t>
-            </a:r>
-            <a:r>
-              <a:rPr lang="en-US" altLang="ko-KR" sz="1600" dirty="0"/>
-              <a:t>2) write elements in the queue from front to </a:t>
-            </a:r>
-            <a:r>
-              <a:rPr lang="en-US" altLang="ko-KR" sz="1600"/>
-              <a:t>rear.</a:t>
-            </a:r>
-          </a:p>
-          <a:p>
-            <a:r>
-              <a:rPr lang="en-US" altLang="ko-KR" sz="1600"/>
-              <a:t>3 Debug display() </a:t>
+              <a:t>display() </a:t>
             </a:r>
             <a:r>
               <a:rPr lang="en-US" altLang="ko-KR" sz="1600" smtClean="0"/>
               <a:t>function.</a:t>
+            </a:r>
+          </a:p>
+          <a:p>
+            <a:pPr lvl="1" indent="0"/>
+            <a:r>
+              <a:rPr lang="en-US" altLang="ko-KR" sz="1600" smtClean="0"/>
+              <a:t>      - Remove the magic number SIZE, and make the default size = 4.</a:t>
             </a:r>
             <a:endParaRPr lang="en-US" altLang="ko-KR" sz="1600" dirty="0"/>
           </a:p>
@@ -6385,10 +6187,10 @@
       </p:sp>
       <p:sp>
         <p:nvSpPr>
-          <p:cNvPr id="38" name="직사각형 37">
+          <p:cNvPr id="22" name="직사각형 21">
             <a:extLst>
               <a:ext uri="{FF2B5EF4-FFF2-40B4-BE49-F238E27FC236}">
-                <a16:creationId xmlns:a16="http://schemas.microsoft.com/office/drawing/2014/main" id="{A9888FEA-576E-C851-661F-5AC0999D05DC}"/>
+                <a16:creationId xmlns:a16="http://schemas.microsoft.com/office/drawing/2014/main" id="{E7B6696A-6869-C0F0-7C51-FF2BD827E978}"/>
               </a:ext>
             </a:extLst>
           </p:cNvPr>
@@ -6397,7 +6199,7 @@
         </p:nvSpPr>
         <p:spPr>
           <a:xfrm>
-            <a:off x="5616814" y="1103086"/>
+            <a:off x="5666203" y="1011681"/>
             <a:ext cx="2983345" cy="3970318"/>
           </a:xfrm>
           <a:prstGeom prst="rect">
@@ -6429,8 +6231,23 @@
                 </a:highlight>
                 <a:latin typeface="Consolas" panose="020B0609020204030204" pitchFamily="49" charset="0"/>
               </a:rPr>
-              <a:t>Expected Output:</a:t>
-            </a:r>
+              <a:t>Expected </a:t>
+            </a:r>
+            <a:r>
+              <a:rPr lang="en-US" altLang="ko-KR" sz="1400" b="1" smtClean="0">
+                <a:highlight>
+                  <a:srgbClr val="FFFF00"/>
+                </a:highlight>
+                <a:latin typeface="Consolas" panose="020B0609020204030204" pitchFamily="49" charset="0"/>
+              </a:rPr>
+              <a:t>Output (SIZE = 5):</a:t>
+            </a:r>
+            <a:endParaRPr lang="en-US" altLang="ko-KR" sz="1400" b="1">
+              <a:highlight>
+                <a:srgbClr val="FFFF00"/>
+              </a:highlight>
+              <a:latin typeface="Consolas" panose="020B0609020204030204" pitchFamily="49" charset="0"/>
+            </a:endParaRPr>
           </a:p>
           <a:p>
             <a:r>
@@ -6576,7 +6393,7 @@
     </p:spTree>
     <p:extLst>
       <p:ext uri="{BB962C8B-B14F-4D97-AF65-F5344CB8AC3E}">
-        <p14:creationId xmlns:p14="http://schemas.microsoft.com/office/powerpoint/2010/main" val="575835543"/>
+        <p14:creationId xmlns:p14="http://schemas.microsoft.com/office/powerpoint/2010/main" val="1206463664"/>
       </p:ext>
     </p:extLst>
   </p:cSld>

--- a/ppts/3-2.1_Queue Quiz.pptx
+++ b/ppts/3-2.1_Queue Quiz.pptx
@@ -1472,7 +1472,7 @@
           </a:ln>
           <a:extLst>
             <a:ext uri="{C572A759-6A51-4108-AA02-DFA0A04FC94B}">
-              <ma14:wrappingTextBoxFlag xmlns:ma14="http://schemas.microsoft.com/office/mac/drawingml/2011/main" xmlns="" val="1"/>
+              <ma14:wrappingTextBoxFlag xmlns="" xmlns:ma14="http://schemas.microsoft.com/office/mac/drawingml/2011/main" val="1"/>
             </a:ext>
           </a:extLst>
         </p:spPr>
@@ -5068,8 +5068,8 @@
           <a:lstStyle/>
           <a:p>
             <a:r>
-              <a:rPr lang="en-US" altLang="ko-KR" dirty="0"/>
-              <a:t>Queue Variations: Circular Queue</a:t>
+              <a:rPr lang="en-US" altLang="ko-KR" smtClean="0"/>
+              <a:t>Circular Queue 2</a:t>
             </a:r>
             <a:endParaRPr lang="ko-KR" altLang="en-US" dirty="0"/>
           </a:p>
